--- a/FinalProjects/Group The Five Horsemen/dataexpreport.pptx
+++ b/FinalProjects/Group The Five Horsemen/dataexpreport.pptx
@@ -10,10 +10,11 @@
     <p:sldId id="258" r:id="rId4"/>
     <p:sldId id="259" r:id="rId5"/>
     <p:sldId id="260" r:id="rId6"/>
-    <p:sldId id="263" r:id="rId7"/>
-    <p:sldId id="264" r:id="rId8"/>
-    <p:sldId id="265" r:id="rId9"/>
-    <p:sldId id="261" r:id="rId10"/>
+    <p:sldId id="266" r:id="rId7"/>
+    <p:sldId id="263" r:id="rId8"/>
+    <p:sldId id="264" r:id="rId9"/>
+    <p:sldId id="265" r:id="rId10"/>
+    <p:sldId id="261" r:id="rId11"/>
   </p:sldIdLst>
   <p:sldSz cx="12192000" cy="6858000"/>
   <p:notesSz cx="6858000" cy="9144000"/>
@@ -112,6 +113,11 @@
       </a:defRPr>
     </a:lvl9pPr>
   </p:defaultTextStyle>
+  <p:extLst>
+    <p:ext uri="{EFAFB233-063F-42B5-8137-9DF3F51BA10A}">
+      <p15:sldGuideLst xmlns:p15="http://schemas.microsoft.com/office/powerpoint/2012/main"/>
+    </p:ext>
+  </p:extLst>
 </p:presentation>
 </file>
 
@@ -3469,6 +3475,86 @@
 </p:sld>
 </file>
 
+<file path=ppt/slides/slide10.xml><?xml version="1.0" encoding="utf-8"?>
+<p:sld xmlns:a="http://schemas.openxmlformats.org/drawingml/2006/main" xmlns:r="http://schemas.openxmlformats.org/officeDocument/2006/relationships" xmlns:p="http://schemas.openxmlformats.org/presentationml/2006/main">
+  <p:cSld>
+    <p:spTree>
+      <p:nvGrpSpPr>
+        <p:cNvPr id="1" name=""/>
+        <p:cNvGrpSpPr/>
+        <p:nvPr/>
+      </p:nvGrpSpPr>
+      <p:grpSpPr>
+        <a:xfrm>
+          <a:off x="0" y="0"/>
+          <a:ext cx="0" cy="0"/>
+          <a:chOff x="0" y="0"/>
+          <a:chExt cx="0" cy="0"/>
+        </a:xfrm>
+      </p:grpSpPr>
+      <p:sp>
+        <p:nvSpPr>
+          <p:cNvPr id="2" name="Title 1">
+            <a:extLst>
+              <a:ext uri="{FF2B5EF4-FFF2-40B4-BE49-F238E27FC236}">
+                <a16:creationId xmlns:a16="http://schemas.microsoft.com/office/drawing/2014/main" id="{FDA436AD-C541-C44E-BAEB-45571A841F0F}"/>
+              </a:ext>
+            </a:extLst>
+          </p:cNvPr>
+          <p:cNvSpPr>
+            <a:spLocks noGrp="1"/>
+          </p:cNvSpPr>
+          <p:nvPr>
+            <p:ph type="title"/>
+          </p:nvPr>
+        </p:nvSpPr>
+        <p:spPr>
+          <a:xfrm>
+            <a:off x="838200" y="365125"/>
+            <a:ext cx="10515600" cy="6096635"/>
+          </a:xfrm>
+        </p:spPr>
+        <p:txBody>
+          <a:bodyPr>
+            <a:normAutofit fontScale="90000"/>
+          </a:bodyPr>
+          <a:lstStyle/>
+          <a:p>
+            <a:r>
+              <a:rPr lang="en-US" dirty="0"/>
+              <a:t>We will use random forest and XG boost to</a:t>
+            </a:r>
+            <a:br>
+              <a:rPr lang="en-US" dirty="0"/>
+            </a:br>
+            <a:r>
+              <a:rPr lang="en-US" dirty="0"/>
+              <a:t>determine to which features are important which are not for our forecast. Also we need to do time series analysis to understand the sales within different days and months of the year. After that we will use both algorithms to predict to future sales of the 1115 stores for six weeks of period in </a:t>
+            </a:r>
+            <a:r>
+              <a:rPr lang="en-US" dirty="0" err="1"/>
+              <a:t>test.cv</a:t>
+            </a:r>
+            <a:r>
+              <a:rPr lang="en-US" dirty="0"/>
+              <a:t> and compare the results of both algorithms in terms of their significances and efficiencies. In the end we will try to come up with a reasonable solution for the task.</a:t>
+            </a:r>
+          </a:p>
+        </p:txBody>
+      </p:sp>
+    </p:spTree>
+    <p:extLst>
+      <p:ext uri="{BB962C8B-B14F-4D97-AF65-F5344CB8AC3E}">
+        <p14:creationId xmlns:p14="http://schemas.microsoft.com/office/powerpoint/2010/main" val="1109575570"/>
+      </p:ext>
+    </p:extLst>
+  </p:cSld>
+  <p:clrMapOvr>
+    <a:masterClrMapping/>
+  </p:clrMapOvr>
+</p:sld>
+</file>
+
 <file path=ppt/slides/slide2.xml><?xml version="1.0" encoding="utf-8"?>
 <p:sld xmlns:a="http://schemas.openxmlformats.org/drawingml/2006/main" xmlns:r="http://schemas.openxmlformats.org/officeDocument/2006/relationships" xmlns:p="http://schemas.openxmlformats.org/presentationml/2006/main">
   <p:cSld>
@@ -5340,106 +5426,9 @@
           <a:lstStyle/>
           <a:p>
             <a:r>
-              <a:rPr lang="tr-TR" dirty="0" err="1"/>
-              <a:t>We</a:t>
-            </a:r>
-            <a:r>
-              <a:rPr lang="tr-TR" dirty="0"/>
-              <a:t> </a:t>
-            </a:r>
-            <a:r>
-              <a:rPr lang="tr-TR" dirty="0" err="1"/>
-              <a:t>check</a:t>
-            </a:r>
-            <a:r>
-              <a:rPr lang="tr-TR" dirty="0"/>
-              <a:t> </a:t>
-            </a:r>
-            <a:r>
-              <a:rPr lang="tr-TR" dirty="0" err="1"/>
-              <a:t>the</a:t>
-            </a:r>
-            <a:r>
-              <a:rPr lang="tr-TR" dirty="0"/>
-              <a:t> </a:t>
-            </a:r>
-            <a:r>
-              <a:rPr lang="tr-TR" dirty="0" err="1"/>
-              <a:t>dist</a:t>
-            </a:r>
-            <a:r>
-              <a:rPr lang="tr-TR" dirty="0"/>
-              <a:t> of </a:t>
-            </a:r>
-            <a:r>
-              <a:rPr lang="tr-TR" dirty="0" err="1"/>
-              <a:t>sales</a:t>
-            </a:r>
-            <a:r>
-              <a:rPr lang="tr-TR" dirty="0"/>
-              <a:t> </a:t>
-            </a:r>
-            <a:r>
-              <a:rPr lang="tr-TR" dirty="0" err="1"/>
-              <a:t>and</a:t>
-            </a:r>
-            <a:r>
-              <a:rPr lang="tr-TR" dirty="0"/>
-              <a:t> </a:t>
-            </a:r>
-            <a:r>
-              <a:rPr lang="tr-TR" dirty="0" err="1"/>
-              <a:t>customers</a:t>
-            </a:r>
-            <a:r>
-              <a:rPr lang="tr-TR" dirty="0"/>
-              <a:t> </a:t>
-            </a:r>
-            <a:r>
-              <a:rPr lang="tr-TR" dirty="0" err="1"/>
-              <a:t>when</a:t>
-            </a:r>
-            <a:r>
-              <a:rPr lang="tr-TR" dirty="0"/>
-              <a:t> </a:t>
-            </a:r>
-            <a:r>
-              <a:rPr lang="tr-TR" dirty="0" err="1"/>
-              <a:t>stores</a:t>
-            </a:r>
-            <a:r>
-              <a:rPr lang="tr-TR" dirty="0"/>
-              <a:t> </a:t>
-            </a:r>
-            <a:r>
-              <a:rPr lang="tr-TR" dirty="0" err="1"/>
-              <a:t>are</a:t>
-            </a:r>
-            <a:r>
-              <a:rPr lang="tr-TR" dirty="0"/>
-              <a:t> </a:t>
-            </a:r>
-            <a:r>
-              <a:rPr lang="tr-TR" dirty="0" err="1"/>
-              <a:t>open</a:t>
-            </a:r>
-            <a:r>
-              <a:rPr lang="tr-TR" dirty="0"/>
-              <a:t>. </a:t>
-            </a:r>
-            <a:r>
-              <a:rPr lang="tr-TR" dirty="0" err="1"/>
-              <a:t>Left</a:t>
-            </a:r>
-            <a:r>
-              <a:rPr lang="tr-TR" dirty="0"/>
-              <a:t> </a:t>
-            </a:r>
-            <a:r>
-              <a:rPr lang="tr-TR" dirty="0" err="1"/>
-              <a:t>skewed</a:t>
-            </a:r>
-            <a:endParaRPr lang="tr-TR" dirty="0"/>
+              <a:rPr lang="en-US" dirty="0"/>
+              <a:t>We check the distribution of sales and customers when stores are open. Left skewed</a:t>
+            </a:r>
           </a:p>
         </p:txBody>
       </p:sp>
@@ -5495,7 +5484,7 @@
         </p:blipFill>
         <p:spPr>
           <a:xfrm>
-            <a:off x="0" y="55880"/>
+            <a:off x="0" y="272448"/>
             <a:ext cx="12192000" cy="4801527"/>
           </a:xfrm>
           <a:prstGeom prst="rect">
@@ -5635,10 +5624,10 @@
       </p:grpSpPr>
       <p:pic>
         <p:nvPicPr>
-          <p:cNvPr id="5" name="Picture 4" descr="A close up of a colorful background&#10;&#10;Description automatically generated">
-            <a:extLst>
-              <a:ext uri="{FF2B5EF4-FFF2-40B4-BE49-F238E27FC236}">
-                <a16:creationId xmlns:a16="http://schemas.microsoft.com/office/drawing/2014/main" id="{B1892D18-37D0-BD4B-A779-369E1A11FFC3}"/>
+          <p:cNvPr id="5" name="Picture 4" descr="A screenshot of a cell phone&#10;&#10;Description automatically generated">
+            <a:extLst>
+              <a:ext uri="{FF2B5EF4-FFF2-40B4-BE49-F238E27FC236}">
+                <a16:creationId xmlns:a16="http://schemas.microsoft.com/office/drawing/2014/main" id="{B7408DC3-9DBB-B84A-A53D-2AB652A31A34}"/>
               </a:ext>
             </a:extLst>
           </p:cNvPr>
@@ -5655,20 +5644,50 @@
         </p:blipFill>
         <p:spPr>
           <a:xfrm>
-            <a:off x="2438400" y="509270"/>
-            <a:ext cx="7904480" cy="5434330"/>
+            <a:off x="6159500" y="1000137"/>
+            <a:ext cx="5590180" cy="3812172"/>
           </a:xfrm>
           <a:prstGeom prst="rect">
             <a:avLst/>
           </a:prstGeom>
         </p:spPr>
       </p:pic>
-      <p:sp>
-        <p:nvSpPr>
-          <p:cNvPr id="6" name="TextBox 5">
-            <a:extLst>
-              <a:ext uri="{FF2B5EF4-FFF2-40B4-BE49-F238E27FC236}">
-                <a16:creationId xmlns:a16="http://schemas.microsoft.com/office/drawing/2014/main" id="{B51D5304-2844-7940-827B-6F44D1583D49}"/>
+      <p:pic>
+        <p:nvPicPr>
+          <p:cNvPr id="7" name="Picture 6" descr="A screenshot of a cell phone&#10;&#10;Description automatically generated">
+            <a:extLst>
+              <a:ext uri="{FF2B5EF4-FFF2-40B4-BE49-F238E27FC236}">
+                <a16:creationId xmlns:a16="http://schemas.microsoft.com/office/drawing/2014/main" id="{9568FBE8-7ABB-7E4B-BCE9-E9B1950DA2DE}"/>
+              </a:ext>
+            </a:extLst>
+          </p:cNvPr>
+          <p:cNvPicPr>
+            <a:picLocks noChangeAspect="1"/>
+          </p:cNvPicPr>
+          <p:nvPr/>
+        </p:nvPicPr>
+        <p:blipFill>
+          <a:blip r:embed="rId3"/>
+          <a:stretch>
+            <a:fillRect/>
+          </a:stretch>
+        </p:blipFill>
+        <p:spPr>
+          <a:xfrm>
+            <a:off x="0" y="745364"/>
+            <a:ext cx="6159500" cy="4229100"/>
+          </a:xfrm>
+          <a:prstGeom prst="rect">
+            <a:avLst/>
+          </a:prstGeom>
+        </p:spPr>
+      </p:pic>
+      <p:sp>
+        <p:nvSpPr>
+          <p:cNvPr id="10" name="TextBox 9">
+            <a:extLst>
+              <a:ext uri="{FF2B5EF4-FFF2-40B4-BE49-F238E27FC236}">
+                <a16:creationId xmlns:a16="http://schemas.microsoft.com/office/drawing/2014/main" id="{08DCA7AE-71F4-AA43-A251-36B96DC47B82}"/>
               </a:ext>
             </a:extLst>
           </p:cNvPr>
@@ -5677,8 +5696,8 @@
         </p:nvSpPr>
         <p:spPr>
           <a:xfrm>
-            <a:off x="4124960" y="6055360"/>
-            <a:ext cx="4795520" cy="369332"/>
+            <a:off x="3352800" y="5211532"/>
+            <a:ext cx="4521200" cy="646331"/>
           </a:xfrm>
           <a:prstGeom prst="rect">
             <a:avLst/>
@@ -5692,33 +5711,16 @@
           <a:lstStyle/>
           <a:p>
             <a:r>
-              <a:rPr lang="tr-TR" dirty="0" err="1"/>
-              <a:t>Pairwise</a:t>
-            </a:r>
-            <a:r>
-              <a:rPr lang="tr-TR" dirty="0"/>
-              <a:t> </a:t>
-            </a:r>
-            <a:r>
-              <a:rPr lang="tr-TR" dirty="0" err="1"/>
-              <a:t>correlations</a:t>
-            </a:r>
-            <a:r>
-              <a:rPr lang="tr-TR" dirty="0"/>
-              <a:t> of </a:t>
-            </a:r>
-            <a:r>
-              <a:rPr lang="tr-TR" dirty="0" err="1"/>
-              <a:t>features</a:t>
-            </a:r>
-            <a:endParaRPr lang="tr-TR" dirty="0"/>
+              <a:rPr lang="en-US" dirty="0"/>
+              <a:t>How sales change with respect to year and months.</a:t>
+            </a:r>
           </a:p>
         </p:txBody>
       </p:sp>
     </p:spTree>
     <p:extLst>
       <p:ext uri="{BB962C8B-B14F-4D97-AF65-F5344CB8AC3E}">
-        <p14:creationId xmlns:p14="http://schemas.microsoft.com/office/powerpoint/2010/main" val="1666195827"/>
+        <p14:creationId xmlns:p14="http://schemas.microsoft.com/office/powerpoint/2010/main" val="1055364383"/>
       </p:ext>
     </p:extLst>
   </p:cSld>
@@ -5745,568 +5747,145 @@
           <a:chExt cx="0" cy="0"/>
         </a:xfrm>
       </p:grpSpPr>
-      <p:sp>
-        <p:nvSpPr>
-          <p:cNvPr id="2" name="Title 1">
-            <a:extLst>
-              <a:ext uri="{FF2B5EF4-FFF2-40B4-BE49-F238E27FC236}">
-                <a16:creationId xmlns:a16="http://schemas.microsoft.com/office/drawing/2014/main" id="{C3260401-9377-2D43-A356-E03A957DEDDB}"/>
-              </a:ext>
-            </a:extLst>
-          </p:cNvPr>
-          <p:cNvSpPr>
-            <a:spLocks noGrp="1"/>
-          </p:cNvSpPr>
-          <p:nvPr>
-            <p:ph type="title"/>
-          </p:nvPr>
-        </p:nvSpPr>
-        <p:spPr/>
-        <p:txBody>
-          <a:bodyPr>
-            <a:normAutofit fontScale="90000"/>
+      <p:pic>
+        <p:nvPicPr>
+          <p:cNvPr id="5" name="Picture 4" descr="A close up of a colorful background&#10;&#10;Description automatically generated">
+            <a:extLst>
+              <a:ext uri="{FF2B5EF4-FFF2-40B4-BE49-F238E27FC236}">
+                <a16:creationId xmlns:a16="http://schemas.microsoft.com/office/drawing/2014/main" id="{B1892D18-37D0-BD4B-A779-369E1A11FFC3}"/>
+              </a:ext>
+            </a:extLst>
+          </p:cNvPr>
+          <p:cNvPicPr>
+            <a:picLocks noChangeAspect="1"/>
+          </p:cNvPicPr>
+          <p:nvPr/>
+        </p:nvPicPr>
+        <p:blipFill>
+          <a:blip r:embed="rId2"/>
+          <a:stretch>
+            <a:fillRect/>
+          </a:stretch>
+        </p:blipFill>
+        <p:spPr>
+          <a:xfrm>
+            <a:off x="-68177" y="88413"/>
+            <a:ext cx="6789821" cy="4668002"/>
+          </a:xfrm>
+          <a:prstGeom prst="rect">
+            <a:avLst/>
+          </a:prstGeom>
+        </p:spPr>
+      </p:pic>
+      <p:sp>
+        <p:nvSpPr>
+          <p:cNvPr id="6" name="TextBox 5">
+            <a:extLst>
+              <a:ext uri="{FF2B5EF4-FFF2-40B4-BE49-F238E27FC236}">
+                <a16:creationId xmlns:a16="http://schemas.microsoft.com/office/drawing/2014/main" id="{B51D5304-2844-7940-827B-6F44D1583D49}"/>
+              </a:ext>
+            </a:extLst>
+          </p:cNvPr>
+          <p:cNvSpPr txBox="1"/>
+          <p:nvPr/>
+        </p:nvSpPr>
+        <p:spPr>
+          <a:xfrm>
+            <a:off x="674838" y="4668002"/>
+            <a:ext cx="4795520" cy="369332"/>
+          </a:xfrm>
+          <a:prstGeom prst="rect">
+            <a:avLst/>
+          </a:prstGeom>
+          <a:noFill/>
+        </p:spPr>
+        <p:txBody>
+          <a:bodyPr wrap="square" rtlCol="0">
+            <a:spAutoFit/>
           </a:bodyPr>
           <a:lstStyle/>
           <a:p>
             <a:r>
-              <a:rPr lang="tr-TR" dirty="0"/>
-              <a:t>Ml </a:t>
-            </a:r>
-            <a:r>
-              <a:rPr lang="tr-TR" dirty="0" err="1"/>
-              <a:t>algorithms</a:t>
-            </a:r>
-            <a:r>
-              <a:rPr lang="tr-TR" dirty="0"/>
-              <a:t> </a:t>
-            </a:r>
-            <a:r>
-              <a:rPr lang="tr-TR" dirty="0" err="1"/>
-              <a:t>we</a:t>
-            </a:r>
-            <a:r>
-              <a:rPr lang="tr-TR" dirty="0"/>
-              <a:t> </a:t>
-            </a:r>
-            <a:r>
-              <a:rPr lang="tr-TR" dirty="0" err="1"/>
-              <a:t>will</a:t>
-            </a:r>
-            <a:r>
-              <a:rPr lang="tr-TR" dirty="0"/>
-              <a:t> </a:t>
-            </a:r>
-            <a:r>
-              <a:rPr lang="tr-TR" dirty="0" err="1"/>
-              <a:t>use</a:t>
-            </a:r>
-            <a:r>
-              <a:rPr lang="tr-TR" dirty="0"/>
-              <a:t> </a:t>
-            </a:r>
-            <a:r>
-              <a:rPr lang="tr-TR" dirty="0" err="1"/>
-              <a:t>are</a:t>
-            </a:r>
-            <a:r>
-              <a:rPr lang="tr-TR" dirty="0"/>
-              <a:t> </a:t>
-            </a:r>
-            <a:r>
-              <a:rPr lang="tr-TR" dirty="0" err="1"/>
-              <a:t>random</a:t>
-            </a:r>
-            <a:r>
-              <a:rPr lang="tr-TR" dirty="0"/>
-              <a:t> </a:t>
-            </a:r>
-            <a:r>
-              <a:rPr lang="tr-TR" dirty="0" err="1"/>
-              <a:t>forest</a:t>
-            </a:r>
-            <a:r>
-              <a:rPr lang="tr-TR" dirty="0"/>
-              <a:t>,</a:t>
-            </a:r>
-            <a:br>
-              <a:rPr lang="tr-TR" dirty="0"/>
-            </a:br>
-            <a:r>
-              <a:rPr lang="tr-TR" dirty="0" err="1"/>
-              <a:t>clustering</a:t>
-            </a:r>
-            <a:r>
-              <a:rPr lang="tr-TR" dirty="0"/>
-              <a:t> </a:t>
-            </a:r>
-            <a:r>
-              <a:rPr lang="tr-TR" dirty="0" err="1"/>
-              <a:t>and</a:t>
-            </a:r>
-            <a:r>
-              <a:rPr lang="tr-TR" dirty="0"/>
-              <a:t> </a:t>
-            </a:r>
-            <a:r>
-              <a:rPr lang="tr-TR" dirty="0" err="1"/>
-              <a:t>xg</a:t>
-            </a:r>
-            <a:r>
-              <a:rPr lang="tr-TR" dirty="0"/>
-              <a:t> </a:t>
-            </a:r>
-            <a:r>
-              <a:rPr lang="tr-TR" dirty="0" err="1"/>
-              <a:t>boost</a:t>
-            </a:r>
-            <a:r>
-              <a:rPr lang="tr-TR" dirty="0"/>
-              <a:t> </a:t>
-            </a:r>
-            <a:r>
-              <a:rPr lang="tr-TR" dirty="0" err="1"/>
-              <a:t>and</a:t>
-            </a:r>
-            <a:r>
-              <a:rPr lang="tr-TR" dirty="0"/>
-              <a:t> time </a:t>
-            </a:r>
-            <a:r>
-              <a:rPr lang="tr-TR" dirty="0" err="1"/>
-              <a:t>series</a:t>
-            </a:r>
-            <a:r>
-              <a:rPr lang="tr-TR" dirty="0"/>
-              <a:t> </a:t>
-            </a:r>
-            <a:r>
-              <a:rPr lang="tr-TR" dirty="0" err="1"/>
-              <a:t>analysis</a:t>
+              <a:rPr lang="en-US" dirty="0"/>
+              <a:t>Pairwise correlations of features</a:t>
+            </a:r>
+          </a:p>
+        </p:txBody>
+      </p:sp>
+      <p:pic>
+        <p:nvPicPr>
+          <p:cNvPr id="3" name="Picture 2">
+            <a:extLst>
+              <a:ext uri="{FF2B5EF4-FFF2-40B4-BE49-F238E27FC236}">
+                <a16:creationId xmlns:a16="http://schemas.microsoft.com/office/drawing/2014/main" id="{43EDCBDB-C595-784A-83C7-9433BDD76A23}"/>
+              </a:ext>
+            </a:extLst>
+          </p:cNvPr>
+          <p:cNvPicPr>
+            <a:picLocks noChangeAspect="1"/>
+          </p:cNvPicPr>
+          <p:nvPr/>
+        </p:nvPicPr>
+        <p:blipFill>
+          <a:blip r:embed="rId3"/>
+          <a:stretch>
+            <a:fillRect/>
+          </a:stretch>
+        </p:blipFill>
+        <p:spPr>
+          <a:xfrm>
+            <a:off x="5841999" y="406401"/>
+            <a:ext cx="6198694" cy="4261602"/>
+          </a:xfrm>
+          <a:prstGeom prst="rect">
+            <a:avLst/>
+          </a:prstGeom>
+        </p:spPr>
+      </p:pic>
+      <p:sp>
+        <p:nvSpPr>
+          <p:cNvPr id="4" name="TextBox 3">
+            <a:extLst>
+              <a:ext uri="{FF2B5EF4-FFF2-40B4-BE49-F238E27FC236}">
+                <a16:creationId xmlns:a16="http://schemas.microsoft.com/office/drawing/2014/main" id="{D305521D-5CEA-9D43-93C2-FB52464F7FE4}"/>
+              </a:ext>
+            </a:extLst>
+          </p:cNvPr>
+          <p:cNvSpPr txBox="1"/>
+          <p:nvPr/>
+        </p:nvSpPr>
+        <p:spPr>
+          <a:xfrm>
+            <a:off x="6721644" y="4668002"/>
+            <a:ext cx="3895556" cy="646331"/>
+          </a:xfrm>
+          <a:prstGeom prst="rect">
+            <a:avLst/>
+          </a:prstGeom>
+          <a:noFill/>
+        </p:spPr>
+        <p:txBody>
+          <a:bodyPr wrap="square" rtlCol="0">
+            <a:spAutoFit/>
+          </a:bodyPr>
+          <a:lstStyle/>
+          <a:p>
+            <a:r>
+              <a:rPr lang="en-US"/>
+              <a:t>How customer number changes with respect to months</a:t>
+            </a:r>
+            <a:r>
+              <a:rPr lang="tr-TR"/>
+              <a:t>.</a:t>
             </a:r>
             <a:endParaRPr lang="tr-TR" dirty="0"/>
-          </a:p>
-        </p:txBody>
-      </p:sp>
-      <p:sp>
-        <p:nvSpPr>
-          <p:cNvPr id="3" name="Content Placeholder 2">
-            <a:extLst>
-              <a:ext uri="{FF2B5EF4-FFF2-40B4-BE49-F238E27FC236}">
-                <a16:creationId xmlns:a16="http://schemas.microsoft.com/office/drawing/2014/main" id="{DB968DDF-5180-3C44-AE44-D633925242C1}"/>
-              </a:ext>
-            </a:extLst>
-          </p:cNvPr>
-          <p:cNvSpPr>
-            <a:spLocks noGrp="1"/>
-          </p:cNvSpPr>
-          <p:nvPr>
-            <p:ph idx="1"/>
-          </p:nvPr>
-        </p:nvSpPr>
-        <p:spPr/>
-        <p:txBody>
-          <a:bodyPr/>
-          <a:lstStyle/>
-          <a:p>
-            <a:r>
-              <a:rPr lang="tr-TR" dirty="0" err="1"/>
-              <a:t>Random</a:t>
-            </a:r>
-            <a:r>
-              <a:rPr lang="tr-TR" dirty="0"/>
-              <a:t> </a:t>
-            </a:r>
-            <a:r>
-              <a:rPr lang="tr-TR" dirty="0" err="1"/>
-              <a:t>forests</a:t>
-            </a:r>
-            <a:r>
-              <a:rPr lang="tr-TR" dirty="0"/>
-              <a:t> </a:t>
-            </a:r>
-            <a:r>
-              <a:rPr lang="tr-TR" dirty="0" err="1"/>
-              <a:t>or</a:t>
-            </a:r>
-            <a:r>
-              <a:rPr lang="tr-TR" dirty="0"/>
-              <a:t> </a:t>
-            </a:r>
-            <a:r>
-              <a:rPr lang="tr-TR" dirty="0" err="1"/>
-              <a:t>random</a:t>
-            </a:r>
-            <a:r>
-              <a:rPr lang="tr-TR" dirty="0"/>
-              <a:t> </a:t>
-            </a:r>
-            <a:r>
-              <a:rPr lang="tr-TR" dirty="0" err="1"/>
-              <a:t>decision</a:t>
-            </a:r>
-            <a:r>
-              <a:rPr lang="tr-TR" dirty="0"/>
-              <a:t> </a:t>
-            </a:r>
-            <a:r>
-              <a:rPr lang="tr-TR" dirty="0" err="1"/>
-              <a:t>forests</a:t>
-            </a:r>
-            <a:r>
-              <a:rPr lang="tr-TR" dirty="0"/>
-              <a:t> </a:t>
-            </a:r>
-            <a:r>
-              <a:rPr lang="tr-TR" dirty="0" err="1"/>
-              <a:t>are</a:t>
-            </a:r>
-            <a:r>
-              <a:rPr lang="tr-TR" dirty="0"/>
-              <a:t> an </a:t>
-            </a:r>
-            <a:r>
-              <a:rPr lang="tr-TR" dirty="0" err="1"/>
-              <a:t>ensemble</a:t>
-            </a:r>
-            <a:r>
-              <a:rPr lang="tr-TR" dirty="0"/>
-              <a:t> </a:t>
-            </a:r>
-            <a:r>
-              <a:rPr lang="tr-TR" dirty="0" err="1"/>
-              <a:t>learning</a:t>
-            </a:r>
-            <a:r>
-              <a:rPr lang="tr-TR" dirty="0"/>
-              <a:t> </a:t>
-            </a:r>
-            <a:r>
-              <a:rPr lang="tr-TR" dirty="0" err="1"/>
-              <a:t>method</a:t>
-            </a:r>
-            <a:r>
-              <a:rPr lang="tr-TR" dirty="0"/>
-              <a:t> </a:t>
-            </a:r>
-            <a:r>
-              <a:rPr lang="tr-TR" dirty="0" err="1"/>
-              <a:t>for</a:t>
-            </a:r>
-            <a:r>
-              <a:rPr lang="tr-TR" dirty="0"/>
-              <a:t> </a:t>
-            </a:r>
-            <a:r>
-              <a:rPr lang="tr-TR" dirty="0" err="1"/>
-              <a:t>classification</a:t>
-            </a:r>
-            <a:r>
-              <a:rPr lang="tr-TR" dirty="0"/>
-              <a:t>, </a:t>
-            </a:r>
-            <a:r>
-              <a:rPr lang="tr-TR" dirty="0" err="1"/>
-              <a:t>regression</a:t>
-            </a:r>
-            <a:r>
-              <a:rPr lang="tr-TR" dirty="0"/>
-              <a:t> </a:t>
-            </a:r>
-            <a:r>
-              <a:rPr lang="tr-TR" dirty="0" err="1"/>
-              <a:t>and</a:t>
-            </a:r>
-            <a:r>
-              <a:rPr lang="tr-TR" dirty="0"/>
-              <a:t> </a:t>
-            </a:r>
-            <a:r>
-              <a:rPr lang="tr-TR" dirty="0" err="1"/>
-              <a:t>other</a:t>
-            </a:r>
-            <a:r>
-              <a:rPr lang="tr-TR" dirty="0"/>
-              <a:t> </a:t>
-            </a:r>
-            <a:r>
-              <a:rPr lang="tr-TR" dirty="0" err="1"/>
-              <a:t>tasks</a:t>
-            </a:r>
-            <a:r>
-              <a:rPr lang="tr-TR" dirty="0"/>
-              <a:t> </a:t>
-            </a:r>
-            <a:r>
-              <a:rPr lang="tr-TR" dirty="0" err="1"/>
-              <a:t>that</a:t>
-            </a:r>
-            <a:r>
-              <a:rPr lang="tr-TR" dirty="0"/>
-              <a:t> </a:t>
-            </a:r>
-            <a:r>
-              <a:rPr lang="tr-TR" dirty="0" err="1"/>
-              <a:t>operates</a:t>
-            </a:r>
-            <a:r>
-              <a:rPr lang="tr-TR" dirty="0"/>
-              <a:t> </a:t>
-            </a:r>
-            <a:r>
-              <a:rPr lang="tr-TR" dirty="0" err="1"/>
-              <a:t>by</a:t>
-            </a:r>
-            <a:r>
-              <a:rPr lang="tr-TR" dirty="0"/>
-              <a:t> </a:t>
-            </a:r>
-            <a:r>
-              <a:rPr lang="tr-TR" dirty="0" err="1"/>
-              <a:t>constructing</a:t>
-            </a:r>
-            <a:r>
-              <a:rPr lang="tr-TR" dirty="0"/>
-              <a:t> a </a:t>
-            </a:r>
-            <a:r>
-              <a:rPr lang="tr-TR" dirty="0" err="1"/>
-              <a:t>multitude</a:t>
-            </a:r>
-            <a:r>
-              <a:rPr lang="tr-TR" dirty="0"/>
-              <a:t> of </a:t>
-            </a:r>
-            <a:r>
-              <a:rPr lang="tr-TR" dirty="0" err="1"/>
-              <a:t>decision</a:t>
-            </a:r>
-            <a:r>
-              <a:rPr lang="tr-TR" dirty="0"/>
-              <a:t> </a:t>
-            </a:r>
-            <a:r>
-              <a:rPr lang="tr-TR" dirty="0" err="1"/>
-              <a:t>trees</a:t>
-            </a:r>
-            <a:r>
-              <a:rPr lang="tr-TR" dirty="0"/>
-              <a:t> at </a:t>
-            </a:r>
-            <a:r>
-              <a:rPr lang="tr-TR" dirty="0" err="1"/>
-              <a:t>training</a:t>
-            </a:r>
-            <a:r>
-              <a:rPr lang="tr-TR" dirty="0"/>
-              <a:t> time </a:t>
-            </a:r>
-            <a:r>
-              <a:rPr lang="tr-TR" dirty="0" err="1"/>
-              <a:t>and</a:t>
-            </a:r>
-            <a:r>
-              <a:rPr lang="tr-TR" dirty="0"/>
-              <a:t> </a:t>
-            </a:r>
-            <a:r>
-              <a:rPr lang="tr-TR" dirty="0" err="1"/>
-              <a:t>outputting</a:t>
-            </a:r>
-            <a:r>
-              <a:rPr lang="tr-TR" dirty="0"/>
-              <a:t> </a:t>
-            </a:r>
-            <a:r>
-              <a:rPr lang="tr-TR" dirty="0" err="1"/>
-              <a:t>the</a:t>
-            </a:r>
-            <a:r>
-              <a:rPr lang="tr-TR" dirty="0"/>
-              <a:t> </a:t>
-            </a:r>
-            <a:r>
-              <a:rPr lang="tr-TR" dirty="0" err="1"/>
-              <a:t>class</a:t>
-            </a:r>
-            <a:r>
-              <a:rPr lang="tr-TR" dirty="0"/>
-              <a:t> </a:t>
-            </a:r>
-            <a:r>
-              <a:rPr lang="tr-TR" dirty="0" err="1"/>
-              <a:t>that</a:t>
-            </a:r>
-            <a:r>
-              <a:rPr lang="tr-TR" dirty="0"/>
-              <a:t> is </a:t>
-            </a:r>
-            <a:r>
-              <a:rPr lang="tr-TR" dirty="0" err="1"/>
-              <a:t>the</a:t>
-            </a:r>
-            <a:r>
-              <a:rPr lang="tr-TR" dirty="0"/>
-              <a:t> </a:t>
-            </a:r>
-            <a:r>
-              <a:rPr lang="tr-TR" dirty="0" err="1"/>
-              <a:t>mode</a:t>
-            </a:r>
-            <a:r>
-              <a:rPr lang="tr-TR" dirty="0"/>
-              <a:t> of </a:t>
-            </a:r>
-            <a:r>
-              <a:rPr lang="tr-TR" dirty="0" err="1"/>
-              <a:t>the</a:t>
-            </a:r>
-            <a:r>
-              <a:rPr lang="tr-TR" dirty="0"/>
-              <a:t> </a:t>
-            </a:r>
-            <a:r>
-              <a:rPr lang="tr-TR" dirty="0" err="1"/>
-              <a:t>classes</a:t>
-            </a:r>
-            <a:r>
-              <a:rPr lang="tr-TR" dirty="0"/>
-              <a:t> </a:t>
-            </a:r>
-            <a:r>
-              <a:rPr lang="tr-TR" dirty="0" err="1"/>
-              <a:t>or</a:t>
-            </a:r>
-            <a:r>
-              <a:rPr lang="tr-TR" dirty="0"/>
-              <a:t> </a:t>
-            </a:r>
-            <a:r>
-              <a:rPr lang="tr-TR" dirty="0" err="1"/>
-              <a:t>mean</a:t>
-            </a:r>
-            <a:r>
-              <a:rPr lang="tr-TR" dirty="0"/>
-              <a:t> </a:t>
-            </a:r>
-            <a:r>
-              <a:rPr lang="tr-TR" dirty="0" err="1"/>
-              <a:t>prediction</a:t>
-            </a:r>
-            <a:r>
-              <a:rPr lang="tr-TR" dirty="0"/>
-              <a:t> of </a:t>
-            </a:r>
-            <a:r>
-              <a:rPr lang="tr-TR" dirty="0" err="1"/>
-              <a:t>the</a:t>
-            </a:r>
-            <a:r>
-              <a:rPr lang="tr-TR" dirty="0"/>
-              <a:t> </a:t>
-            </a:r>
-            <a:r>
-              <a:rPr lang="tr-TR" dirty="0" err="1"/>
-              <a:t>individual</a:t>
-            </a:r>
-            <a:r>
-              <a:rPr lang="tr-TR" dirty="0"/>
-              <a:t> </a:t>
-            </a:r>
-            <a:r>
-              <a:rPr lang="tr-TR" dirty="0" err="1"/>
-              <a:t>trees</a:t>
-            </a:r>
-            <a:r>
-              <a:rPr lang="tr-TR" dirty="0"/>
-              <a:t>. </a:t>
-            </a:r>
-            <a:r>
-              <a:rPr lang="tr-TR" dirty="0" err="1"/>
-              <a:t>This</a:t>
-            </a:r>
-            <a:r>
-              <a:rPr lang="tr-TR" dirty="0"/>
-              <a:t> </a:t>
-            </a:r>
-            <a:r>
-              <a:rPr lang="tr-TR" dirty="0" err="1"/>
-              <a:t>will</a:t>
-            </a:r>
-            <a:r>
-              <a:rPr lang="tr-TR" dirty="0"/>
-              <a:t> </a:t>
-            </a:r>
-            <a:r>
-              <a:rPr lang="tr-TR" dirty="0" err="1"/>
-              <a:t>allow</a:t>
-            </a:r>
-            <a:r>
-              <a:rPr lang="tr-TR" dirty="0"/>
-              <a:t> us </a:t>
-            </a:r>
-            <a:r>
-              <a:rPr lang="tr-TR" dirty="0" err="1"/>
-              <a:t>to</a:t>
-            </a:r>
-            <a:r>
-              <a:rPr lang="tr-TR" dirty="0"/>
-              <a:t> </a:t>
-            </a:r>
-            <a:r>
-              <a:rPr lang="tr-TR" dirty="0" err="1"/>
-              <a:t>find</a:t>
-            </a:r>
-            <a:r>
-              <a:rPr lang="tr-TR" dirty="0"/>
-              <a:t> </a:t>
-            </a:r>
-            <a:r>
-              <a:rPr lang="tr-TR" dirty="0" err="1"/>
-              <a:t>which</a:t>
-            </a:r>
-            <a:r>
-              <a:rPr lang="tr-TR" dirty="0"/>
-              <a:t> </a:t>
-            </a:r>
-            <a:r>
-              <a:rPr lang="tr-TR" dirty="0" err="1"/>
-              <a:t>features</a:t>
-            </a:r>
-            <a:r>
-              <a:rPr lang="tr-TR" dirty="0"/>
-              <a:t> </a:t>
-            </a:r>
-            <a:r>
-              <a:rPr lang="tr-TR" dirty="0" err="1"/>
-              <a:t>are</a:t>
-            </a:r>
-            <a:r>
-              <a:rPr lang="tr-TR" dirty="0"/>
-              <a:t> </a:t>
-            </a:r>
-            <a:r>
-              <a:rPr lang="tr-TR" dirty="0" err="1"/>
-              <a:t>important</a:t>
-            </a:r>
-            <a:r>
-              <a:rPr lang="tr-TR" dirty="0"/>
-              <a:t> </a:t>
-            </a:r>
-            <a:r>
-              <a:rPr lang="tr-TR" dirty="0" err="1"/>
-              <a:t>for</a:t>
-            </a:r>
-            <a:r>
-              <a:rPr lang="tr-TR" dirty="0"/>
-              <a:t> us.</a:t>
-            </a:r>
           </a:p>
         </p:txBody>
       </p:sp>
     </p:spTree>
     <p:extLst>
       <p:ext uri="{BB962C8B-B14F-4D97-AF65-F5344CB8AC3E}">
-        <p14:creationId xmlns:p14="http://schemas.microsoft.com/office/powerpoint/2010/main" val="633178250"/>
+        <p14:creationId xmlns:p14="http://schemas.microsoft.com/office/powerpoint/2010/main" val="1666195827"/>
       </p:ext>
     </p:extLst>
   </p:cSld>
@@ -6335,10 +5914,133 @@
       </p:grpSpPr>
       <p:sp>
         <p:nvSpPr>
+          <p:cNvPr id="2" name="Title 1">
+            <a:extLst>
+              <a:ext uri="{FF2B5EF4-FFF2-40B4-BE49-F238E27FC236}">
+                <a16:creationId xmlns:a16="http://schemas.microsoft.com/office/drawing/2014/main" id="{C3260401-9377-2D43-A356-E03A957DEDDB}"/>
+              </a:ext>
+            </a:extLst>
+          </p:cNvPr>
+          <p:cNvSpPr>
+            <a:spLocks noGrp="1"/>
+          </p:cNvSpPr>
+          <p:nvPr>
+            <p:ph type="title"/>
+          </p:nvPr>
+        </p:nvSpPr>
+        <p:spPr/>
+        <p:txBody>
+          <a:bodyPr>
+            <a:normAutofit/>
+          </a:bodyPr>
+          <a:lstStyle/>
+          <a:p>
+            <a:r>
+              <a:rPr lang="tr-TR" dirty="0"/>
+              <a:t>Ml </a:t>
+            </a:r>
+            <a:r>
+              <a:rPr lang="tr-TR" dirty="0" err="1"/>
+              <a:t>algorithms</a:t>
+            </a:r>
+            <a:r>
+              <a:rPr lang="tr-TR" dirty="0"/>
+              <a:t> </a:t>
+            </a:r>
+            <a:r>
+              <a:rPr lang="tr-TR" dirty="0" err="1"/>
+              <a:t>we</a:t>
+            </a:r>
+            <a:r>
+              <a:rPr lang="tr-TR" dirty="0"/>
+              <a:t> </a:t>
+            </a:r>
+            <a:r>
+              <a:rPr lang="tr-TR" dirty="0" err="1"/>
+              <a:t>will</a:t>
+            </a:r>
+            <a:r>
+              <a:rPr lang="tr-TR" dirty="0"/>
+              <a:t> </a:t>
+            </a:r>
+            <a:r>
+              <a:rPr lang="tr-TR" dirty="0" err="1"/>
+              <a:t>use</a:t>
+            </a:r>
+            <a:r>
+              <a:rPr lang="tr-TR" dirty="0"/>
+              <a:t> </a:t>
+            </a:r>
+            <a:r>
+              <a:rPr lang="tr-TR" dirty="0" err="1"/>
+              <a:t>are</a:t>
+            </a:r>
+            <a:r>
+              <a:rPr lang="tr-TR" dirty="0"/>
+              <a:t> </a:t>
+            </a:r>
+            <a:r>
+              <a:rPr lang="tr-TR" dirty="0" err="1"/>
+              <a:t>random</a:t>
+            </a:r>
+            <a:r>
+              <a:rPr lang="tr-TR" dirty="0"/>
+              <a:t> </a:t>
+            </a:r>
+            <a:r>
+              <a:rPr lang="tr-TR" dirty="0" err="1"/>
+              <a:t>forest</a:t>
+            </a:r>
+            <a:r>
+              <a:rPr lang="tr-TR" dirty="0"/>
+              <a:t>, </a:t>
+            </a:r>
+            <a:r>
+              <a:rPr lang="tr-TR" dirty="0" err="1"/>
+              <a:t>xg</a:t>
+            </a:r>
+            <a:r>
+              <a:rPr lang="tr-TR" dirty="0"/>
+              <a:t> </a:t>
+            </a:r>
+            <a:r>
+              <a:rPr lang="tr-TR" dirty="0" err="1"/>
+              <a:t>boost</a:t>
+            </a:r>
+            <a:r>
+              <a:rPr lang="tr-TR" dirty="0"/>
+              <a:t> </a:t>
+            </a:r>
+            <a:r>
+              <a:rPr lang="tr-TR" dirty="0" err="1"/>
+              <a:t>and</a:t>
+            </a:r>
+            <a:r>
+              <a:rPr lang="tr-TR" dirty="0"/>
+              <a:t> time </a:t>
+            </a:r>
+            <a:r>
+              <a:rPr lang="tr-TR" dirty="0" err="1"/>
+              <a:t>series</a:t>
+            </a:r>
+            <a:r>
+              <a:rPr lang="tr-TR" dirty="0"/>
+              <a:t> </a:t>
+            </a:r>
+            <a:r>
+              <a:rPr lang="tr-TR" dirty="0" err="1"/>
+              <a:t>analysis</a:t>
+            </a:r>
+            <a:endParaRPr lang="tr-TR" dirty="0"/>
+          </a:p>
+        </p:txBody>
+      </p:sp>
+      <p:sp>
+        <p:nvSpPr>
           <p:cNvPr id="3" name="Content Placeholder 2">
             <a:extLst>
               <a:ext uri="{FF2B5EF4-FFF2-40B4-BE49-F238E27FC236}">
-                <a16:creationId xmlns:a16="http://schemas.microsoft.com/office/drawing/2014/main" id="{DF9E539B-80C4-E042-9229-B795EEED8BF3}"/>
+                <a16:creationId xmlns:a16="http://schemas.microsoft.com/office/drawing/2014/main" id="{DB968DDF-5180-3C44-AE44-D633925242C1}"/>
               </a:ext>
             </a:extLst>
           </p:cNvPr>
@@ -6355,52 +6057,312 @@
           <a:lstStyle/>
           <a:p>
             <a:r>
-              <a:rPr lang="tr-TR" dirty="0"/>
-              <a:t>Time </a:t>
-            </a:r>
-            <a:r>
-              <a:rPr lang="tr-TR" dirty="0" err="1"/>
-              <a:t>series</a:t>
-            </a:r>
-            <a:r>
-              <a:rPr lang="tr-TR" dirty="0"/>
-              <a:t>: A time </a:t>
-            </a:r>
-            <a:r>
-              <a:rPr lang="tr-TR" dirty="0" err="1"/>
-              <a:t>series</a:t>
-            </a:r>
-            <a:r>
-              <a:rPr lang="tr-TR" dirty="0"/>
-              <a:t> is a </a:t>
-            </a:r>
-            <a:r>
-              <a:rPr lang="tr-TR" dirty="0" err="1"/>
-              <a:t>series</a:t>
-            </a:r>
-            <a:r>
-              <a:rPr lang="tr-TR" dirty="0"/>
-              <a:t> of data </a:t>
-            </a:r>
-            <a:r>
-              <a:rPr lang="tr-TR" dirty="0" err="1"/>
-              <a:t>points</a:t>
-            </a:r>
-            <a:r>
-              <a:rPr lang="tr-TR" dirty="0"/>
-              <a:t> </a:t>
-            </a:r>
-            <a:r>
-              <a:rPr lang="tr-TR" dirty="0" err="1"/>
-              <a:t>indexed</a:t>
-            </a:r>
-            <a:r>
-              <a:rPr lang="tr-TR" dirty="0"/>
-              <a:t> in time </a:t>
-            </a:r>
-            <a:r>
-              <a:rPr lang="tr-TR" dirty="0" err="1"/>
-              <a:t>order</a:t>
+              <a:rPr lang="tr-TR" dirty="0" err="1"/>
+              <a:t>Random</a:t>
+            </a:r>
+            <a:r>
+              <a:rPr lang="tr-TR" dirty="0"/>
+              <a:t> </a:t>
+            </a:r>
+            <a:r>
+              <a:rPr lang="tr-TR" dirty="0" err="1"/>
+              <a:t>forests</a:t>
+            </a:r>
+            <a:r>
+              <a:rPr lang="tr-TR" dirty="0"/>
+              <a:t> </a:t>
+            </a:r>
+            <a:r>
+              <a:rPr lang="tr-TR" dirty="0" err="1"/>
+              <a:t>or</a:t>
+            </a:r>
+            <a:r>
+              <a:rPr lang="tr-TR" dirty="0"/>
+              <a:t> </a:t>
+            </a:r>
+            <a:r>
+              <a:rPr lang="tr-TR" dirty="0" err="1"/>
+              <a:t>random</a:t>
+            </a:r>
+            <a:r>
+              <a:rPr lang="tr-TR" dirty="0"/>
+              <a:t> </a:t>
+            </a:r>
+            <a:r>
+              <a:rPr lang="tr-TR" dirty="0" err="1"/>
+              <a:t>decision</a:t>
+            </a:r>
+            <a:r>
+              <a:rPr lang="tr-TR" dirty="0"/>
+              <a:t> </a:t>
+            </a:r>
+            <a:r>
+              <a:rPr lang="tr-TR" dirty="0" err="1"/>
+              <a:t>forests</a:t>
+            </a:r>
+            <a:r>
+              <a:rPr lang="tr-TR" dirty="0"/>
+              <a:t> </a:t>
+            </a:r>
+            <a:r>
+              <a:rPr lang="tr-TR" dirty="0" err="1"/>
+              <a:t>are</a:t>
+            </a:r>
+            <a:r>
+              <a:rPr lang="tr-TR" dirty="0"/>
+              <a:t> an </a:t>
+            </a:r>
+            <a:r>
+              <a:rPr lang="tr-TR" dirty="0" err="1"/>
+              <a:t>ensemble</a:t>
+            </a:r>
+            <a:r>
+              <a:rPr lang="tr-TR" dirty="0"/>
+              <a:t> </a:t>
+            </a:r>
+            <a:r>
+              <a:rPr lang="tr-TR" dirty="0" err="1"/>
+              <a:t>learning</a:t>
+            </a:r>
+            <a:r>
+              <a:rPr lang="tr-TR" dirty="0"/>
+              <a:t> </a:t>
+            </a:r>
+            <a:r>
+              <a:rPr lang="tr-TR" dirty="0" err="1"/>
+              <a:t>method</a:t>
+            </a:r>
+            <a:r>
+              <a:rPr lang="tr-TR" dirty="0"/>
+              <a:t> </a:t>
+            </a:r>
+            <a:r>
+              <a:rPr lang="tr-TR" dirty="0" err="1"/>
+              <a:t>for</a:t>
+            </a:r>
+            <a:r>
+              <a:rPr lang="tr-TR" dirty="0"/>
+              <a:t> </a:t>
+            </a:r>
+            <a:r>
+              <a:rPr lang="tr-TR" dirty="0" err="1"/>
+              <a:t>classification</a:t>
+            </a:r>
+            <a:r>
+              <a:rPr lang="tr-TR" dirty="0"/>
+              <a:t>, </a:t>
+            </a:r>
+            <a:r>
+              <a:rPr lang="tr-TR" dirty="0" err="1"/>
+              <a:t>regression</a:t>
+            </a:r>
+            <a:r>
+              <a:rPr lang="tr-TR" dirty="0"/>
+              <a:t> </a:t>
+            </a:r>
+            <a:r>
+              <a:rPr lang="tr-TR" dirty="0" err="1"/>
+              <a:t>and</a:t>
+            </a:r>
+            <a:r>
+              <a:rPr lang="tr-TR" dirty="0"/>
+              <a:t> </a:t>
+            </a:r>
+            <a:r>
+              <a:rPr lang="tr-TR" dirty="0" err="1"/>
+              <a:t>other</a:t>
+            </a:r>
+            <a:r>
+              <a:rPr lang="tr-TR" dirty="0"/>
+              <a:t> </a:t>
+            </a:r>
+            <a:r>
+              <a:rPr lang="tr-TR" dirty="0" err="1"/>
+              <a:t>tasks</a:t>
+            </a:r>
+            <a:r>
+              <a:rPr lang="tr-TR" dirty="0"/>
+              <a:t> </a:t>
+            </a:r>
+            <a:r>
+              <a:rPr lang="tr-TR" dirty="0" err="1"/>
+              <a:t>that</a:t>
+            </a:r>
+            <a:r>
+              <a:rPr lang="tr-TR" dirty="0"/>
+              <a:t> </a:t>
+            </a:r>
+            <a:r>
+              <a:rPr lang="tr-TR" dirty="0" err="1"/>
+              <a:t>operates</a:t>
+            </a:r>
+            <a:r>
+              <a:rPr lang="tr-TR" dirty="0"/>
+              <a:t> </a:t>
+            </a:r>
+            <a:r>
+              <a:rPr lang="tr-TR" dirty="0" err="1"/>
+              <a:t>by</a:t>
+            </a:r>
+            <a:r>
+              <a:rPr lang="tr-TR" dirty="0"/>
+              <a:t> </a:t>
+            </a:r>
+            <a:r>
+              <a:rPr lang="tr-TR" dirty="0" err="1"/>
+              <a:t>constructing</a:t>
+            </a:r>
+            <a:r>
+              <a:rPr lang="tr-TR" dirty="0"/>
+              <a:t> a </a:t>
+            </a:r>
+            <a:r>
+              <a:rPr lang="tr-TR" dirty="0" err="1"/>
+              <a:t>multitude</a:t>
+            </a:r>
+            <a:r>
+              <a:rPr lang="tr-TR" dirty="0"/>
+              <a:t> of </a:t>
+            </a:r>
+            <a:r>
+              <a:rPr lang="tr-TR" dirty="0" err="1"/>
+              <a:t>decision</a:t>
+            </a:r>
+            <a:r>
+              <a:rPr lang="tr-TR" dirty="0"/>
+              <a:t> </a:t>
+            </a:r>
+            <a:r>
+              <a:rPr lang="tr-TR" dirty="0" err="1"/>
+              <a:t>trees</a:t>
+            </a:r>
+            <a:r>
+              <a:rPr lang="tr-TR" dirty="0"/>
+              <a:t> at </a:t>
+            </a:r>
+            <a:r>
+              <a:rPr lang="tr-TR" dirty="0" err="1"/>
+              <a:t>training</a:t>
+            </a:r>
+            <a:r>
+              <a:rPr lang="tr-TR" dirty="0"/>
+              <a:t> time </a:t>
+            </a:r>
+            <a:r>
+              <a:rPr lang="tr-TR" dirty="0" err="1"/>
+              <a:t>and</a:t>
+            </a:r>
+            <a:r>
+              <a:rPr lang="tr-TR" dirty="0"/>
+              <a:t> </a:t>
+            </a:r>
+            <a:r>
+              <a:rPr lang="tr-TR" dirty="0" err="1"/>
+              <a:t>outputting</a:t>
+            </a:r>
+            <a:r>
+              <a:rPr lang="tr-TR" dirty="0"/>
+              <a:t> </a:t>
+            </a:r>
+            <a:r>
+              <a:rPr lang="tr-TR" dirty="0" err="1"/>
+              <a:t>the</a:t>
+            </a:r>
+            <a:r>
+              <a:rPr lang="tr-TR" dirty="0"/>
+              <a:t> </a:t>
+            </a:r>
+            <a:r>
+              <a:rPr lang="tr-TR" dirty="0" err="1"/>
+              <a:t>class</a:t>
+            </a:r>
+            <a:r>
+              <a:rPr lang="tr-TR" dirty="0"/>
+              <a:t> </a:t>
+            </a:r>
+            <a:r>
+              <a:rPr lang="tr-TR" dirty="0" err="1"/>
+              <a:t>that</a:t>
+            </a:r>
+            <a:r>
+              <a:rPr lang="tr-TR" dirty="0"/>
+              <a:t> is </a:t>
+            </a:r>
+            <a:r>
+              <a:rPr lang="tr-TR" dirty="0" err="1"/>
+              <a:t>the</a:t>
+            </a:r>
+            <a:r>
+              <a:rPr lang="tr-TR" dirty="0"/>
+              <a:t> </a:t>
+            </a:r>
+            <a:r>
+              <a:rPr lang="tr-TR" dirty="0" err="1"/>
+              <a:t>mode</a:t>
+            </a:r>
+            <a:r>
+              <a:rPr lang="tr-TR" dirty="0"/>
+              <a:t> of </a:t>
+            </a:r>
+            <a:r>
+              <a:rPr lang="tr-TR" dirty="0" err="1"/>
+              <a:t>the</a:t>
+            </a:r>
+            <a:r>
+              <a:rPr lang="tr-TR" dirty="0"/>
+              <a:t> </a:t>
+            </a:r>
+            <a:r>
+              <a:rPr lang="tr-TR" dirty="0" err="1"/>
+              <a:t>classes</a:t>
+            </a:r>
+            <a:r>
+              <a:rPr lang="tr-TR" dirty="0"/>
+              <a:t> </a:t>
+            </a:r>
+            <a:r>
+              <a:rPr lang="tr-TR" dirty="0" err="1"/>
+              <a:t>or</a:t>
+            </a:r>
+            <a:r>
+              <a:rPr lang="tr-TR" dirty="0"/>
+              <a:t> </a:t>
+            </a:r>
+            <a:r>
+              <a:rPr lang="tr-TR" dirty="0" err="1"/>
+              <a:t>mean</a:t>
+            </a:r>
+            <a:r>
+              <a:rPr lang="tr-TR" dirty="0"/>
+              <a:t> </a:t>
+            </a:r>
+            <a:r>
+              <a:rPr lang="tr-TR" dirty="0" err="1"/>
+              <a:t>prediction</a:t>
+            </a:r>
+            <a:r>
+              <a:rPr lang="tr-TR" dirty="0"/>
+              <a:t> of </a:t>
+            </a:r>
+            <a:r>
+              <a:rPr lang="tr-TR" dirty="0" err="1"/>
+              <a:t>the</a:t>
+            </a:r>
+            <a:r>
+              <a:rPr lang="tr-TR" dirty="0"/>
+              <a:t> </a:t>
+            </a:r>
+            <a:r>
+              <a:rPr lang="tr-TR" dirty="0" err="1"/>
+              <a:t>individual</a:t>
+            </a:r>
+            <a:r>
+              <a:rPr lang="tr-TR" dirty="0"/>
+              <a:t> </a:t>
+            </a:r>
+            <a:r>
+              <a:rPr lang="tr-TR" dirty="0" err="1"/>
+              <a:t>trees</a:t>
             </a:r>
             <a:r>
               <a:rPr lang="tr-TR" dirty="0"/>
@@ -6408,213 +6370,55 @@
             </a:r>
             <a:r>
               <a:rPr lang="tr-TR" dirty="0" err="1"/>
-              <a:t>Most</a:t>
-            </a:r>
-            <a:r>
-              <a:rPr lang="tr-TR" dirty="0"/>
-              <a:t> </a:t>
-            </a:r>
-            <a:r>
-              <a:rPr lang="tr-TR" dirty="0" err="1"/>
-              <a:t>commonly</a:t>
-            </a:r>
-            <a:r>
-              <a:rPr lang="tr-TR" dirty="0"/>
-              <a:t>, a time </a:t>
-            </a:r>
-            <a:r>
-              <a:rPr lang="tr-TR" dirty="0" err="1"/>
-              <a:t>series</a:t>
-            </a:r>
-            <a:r>
-              <a:rPr lang="tr-TR" dirty="0"/>
-              <a:t> is a </a:t>
-            </a:r>
-            <a:r>
-              <a:rPr lang="tr-TR" dirty="0" err="1"/>
-              <a:t>sequence</a:t>
-            </a:r>
-            <a:r>
-              <a:rPr lang="tr-TR" dirty="0"/>
-              <a:t> </a:t>
-            </a:r>
-            <a:r>
-              <a:rPr lang="tr-TR" dirty="0" err="1"/>
-              <a:t>taken</a:t>
-            </a:r>
-            <a:r>
-              <a:rPr lang="tr-TR" dirty="0"/>
-              <a:t> at </a:t>
-            </a:r>
-            <a:r>
-              <a:rPr lang="tr-TR" dirty="0" err="1"/>
-              <a:t>successive</a:t>
-            </a:r>
-            <a:r>
-              <a:rPr lang="tr-TR" dirty="0"/>
-              <a:t> </a:t>
-            </a:r>
-            <a:r>
-              <a:rPr lang="tr-TR" dirty="0" err="1"/>
-              <a:t>equally</a:t>
-            </a:r>
-            <a:r>
-              <a:rPr lang="tr-TR" dirty="0"/>
-              <a:t> </a:t>
-            </a:r>
-            <a:r>
-              <a:rPr lang="tr-TR" dirty="0" err="1"/>
-              <a:t>spaced</a:t>
-            </a:r>
-            <a:r>
-              <a:rPr lang="tr-TR" dirty="0"/>
-              <a:t> </a:t>
-            </a:r>
-            <a:r>
-              <a:rPr lang="tr-TR" dirty="0" err="1"/>
-              <a:t>points</a:t>
-            </a:r>
-            <a:r>
-              <a:rPr lang="tr-TR" dirty="0"/>
-              <a:t> in time. </a:t>
-            </a:r>
-            <a:r>
-              <a:rPr lang="tr-TR" dirty="0" err="1"/>
-              <a:t>Thus</a:t>
-            </a:r>
-            <a:r>
-              <a:rPr lang="tr-TR" dirty="0"/>
-              <a:t> it is a </a:t>
-            </a:r>
-            <a:r>
-              <a:rPr lang="tr-TR" dirty="0" err="1"/>
-              <a:t>sequence</a:t>
-            </a:r>
-            <a:r>
-              <a:rPr lang="tr-TR" dirty="0"/>
-              <a:t> of </a:t>
-            </a:r>
-            <a:r>
-              <a:rPr lang="tr-TR" dirty="0" err="1"/>
-              <a:t>discrete</a:t>
-            </a:r>
-            <a:r>
-              <a:rPr lang="tr-TR" dirty="0"/>
-              <a:t>-time data.</a:t>
-            </a:r>
-          </a:p>
-          <a:p>
-            <a:r>
-              <a:rPr lang="tr-TR" dirty="0"/>
-              <a:t>Cluster </a:t>
-            </a:r>
-            <a:r>
-              <a:rPr lang="tr-TR" dirty="0" err="1"/>
-              <a:t>analysis</a:t>
-            </a:r>
-            <a:r>
-              <a:rPr lang="tr-TR" dirty="0"/>
-              <a:t> </a:t>
-            </a:r>
-            <a:r>
-              <a:rPr lang="tr-TR" dirty="0" err="1"/>
-              <a:t>or</a:t>
-            </a:r>
-            <a:r>
-              <a:rPr lang="tr-TR" dirty="0"/>
-              <a:t> </a:t>
-            </a:r>
-            <a:r>
-              <a:rPr lang="tr-TR" dirty="0" err="1"/>
-              <a:t>clustering</a:t>
-            </a:r>
-            <a:r>
-              <a:rPr lang="tr-TR" dirty="0"/>
-              <a:t> is </a:t>
-            </a:r>
-            <a:r>
-              <a:rPr lang="tr-TR" dirty="0" err="1"/>
-              <a:t>the</a:t>
-            </a:r>
-            <a:r>
-              <a:rPr lang="tr-TR" dirty="0"/>
-              <a:t> </a:t>
-            </a:r>
-            <a:r>
-              <a:rPr lang="tr-TR" dirty="0" err="1"/>
-              <a:t>task</a:t>
-            </a:r>
-            <a:r>
-              <a:rPr lang="tr-TR" dirty="0"/>
-              <a:t> of </a:t>
-            </a:r>
-            <a:r>
-              <a:rPr lang="tr-TR" dirty="0" err="1"/>
-              <a:t>grouping</a:t>
-            </a:r>
-            <a:r>
-              <a:rPr lang="tr-TR" dirty="0"/>
-              <a:t> a set of </a:t>
-            </a:r>
-            <a:r>
-              <a:rPr lang="tr-TR" dirty="0" err="1"/>
-              <a:t>objects</a:t>
-            </a:r>
-            <a:r>
-              <a:rPr lang="tr-TR" dirty="0"/>
-              <a:t> in </a:t>
-            </a:r>
-            <a:r>
-              <a:rPr lang="tr-TR" dirty="0" err="1"/>
-              <a:t>such</a:t>
-            </a:r>
-            <a:r>
-              <a:rPr lang="tr-TR" dirty="0"/>
-              <a:t> a </a:t>
-            </a:r>
-            <a:r>
-              <a:rPr lang="tr-TR" dirty="0" err="1"/>
-              <a:t>way</a:t>
-            </a:r>
-            <a:r>
-              <a:rPr lang="tr-TR" dirty="0"/>
-              <a:t> </a:t>
-            </a:r>
-            <a:r>
-              <a:rPr lang="tr-TR" dirty="0" err="1"/>
-              <a:t>that</a:t>
-            </a:r>
-            <a:r>
-              <a:rPr lang="tr-TR" dirty="0"/>
-              <a:t> </a:t>
-            </a:r>
-            <a:r>
-              <a:rPr lang="tr-TR" dirty="0" err="1"/>
-              <a:t>objects</a:t>
-            </a:r>
-            <a:r>
-              <a:rPr lang="tr-TR" dirty="0"/>
-              <a:t> in </a:t>
-            </a:r>
-            <a:r>
-              <a:rPr lang="tr-TR" dirty="0" err="1"/>
-              <a:t>the</a:t>
-            </a:r>
-            <a:r>
-              <a:rPr lang="tr-TR" dirty="0"/>
-              <a:t> </a:t>
-            </a:r>
-            <a:r>
-              <a:rPr lang="tr-TR" dirty="0" err="1"/>
-              <a:t>same</a:t>
-            </a:r>
-            <a:r>
-              <a:rPr lang="tr-TR" dirty="0"/>
-              <a:t> </a:t>
-            </a:r>
-            <a:r>
-              <a:rPr lang="tr-TR" dirty="0" err="1"/>
-              <a:t>group</a:t>
+              <a:t>This</a:t>
+            </a:r>
+            <a:r>
+              <a:rPr lang="tr-TR" dirty="0"/>
+              <a:t> </a:t>
+            </a:r>
+            <a:r>
+              <a:rPr lang="tr-TR" dirty="0" err="1"/>
+              <a:t>will</a:t>
+            </a:r>
+            <a:r>
+              <a:rPr lang="tr-TR" dirty="0"/>
+              <a:t> </a:t>
+            </a:r>
+            <a:r>
+              <a:rPr lang="tr-TR" dirty="0" err="1"/>
+              <a:t>allow</a:t>
+            </a:r>
+            <a:r>
+              <a:rPr lang="tr-TR" dirty="0"/>
+              <a:t> us </a:t>
+            </a:r>
+            <a:r>
+              <a:rPr lang="tr-TR" dirty="0" err="1"/>
+              <a:t>to</a:t>
+            </a:r>
+            <a:r>
+              <a:rPr lang="tr-TR" dirty="0"/>
+              <a:t> </a:t>
+            </a:r>
+            <a:r>
+              <a:rPr lang="tr-TR" dirty="0" err="1"/>
+              <a:t>find</a:t>
+            </a:r>
+            <a:r>
+              <a:rPr lang="tr-TR" dirty="0"/>
+              <a:t> </a:t>
+            </a:r>
+            <a:r>
+              <a:rPr lang="tr-TR" dirty="0" err="1"/>
+              <a:t>which</a:t>
+            </a:r>
+            <a:r>
+              <a:rPr lang="tr-TR" dirty="0"/>
+              <a:t> </a:t>
+            </a:r>
+            <a:r>
+              <a:rPr lang="tr-TR" dirty="0" err="1"/>
+              <a:t>features</a:t>
             </a:r>
             <a:r>
               <a:rPr lang="tr-TR" dirty="0"/>
@@ -6630,173 +6434,27 @@
             </a:r>
             <a:r>
               <a:rPr lang="tr-TR" dirty="0" err="1"/>
-              <a:t>more</a:t>
-            </a:r>
-            <a:r>
-              <a:rPr lang="tr-TR" dirty="0"/>
-              <a:t> </a:t>
-            </a:r>
-            <a:r>
-              <a:rPr lang="tr-TR" dirty="0" err="1"/>
-              <a:t>similar</a:t>
-            </a:r>
-            <a:r>
-              <a:rPr lang="tr-TR" dirty="0"/>
-              <a:t> </a:t>
-            </a:r>
-            <a:r>
-              <a:rPr lang="tr-TR" dirty="0" err="1"/>
-              <a:t>to</a:t>
-            </a:r>
-            <a:r>
-              <a:rPr lang="tr-TR" dirty="0"/>
-              <a:t> </a:t>
-            </a:r>
-            <a:r>
-              <a:rPr lang="tr-TR" dirty="0" err="1"/>
-              <a:t>each</a:t>
-            </a:r>
-            <a:r>
-              <a:rPr lang="tr-TR" dirty="0"/>
-              <a:t> </a:t>
-            </a:r>
-            <a:r>
-              <a:rPr lang="tr-TR" dirty="0" err="1"/>
-              <a:t>other</a:t>
-            </a:r>
-            <a:r>
-              <a:rPr lang="tr-TR" dirty="0"/>
-              <a:t> </a:t>
-            </a:r>
-            <a:r>
-              <a:rPr lang="tr-TR" dirty="0" err="1"/>
-              <a:t>than</a:t>
-            </a:r>
-            <a:r>
-              <a:rPr lang="tr-TR" dirty="0"/>
-              <a:t> </a:t>
-            </a:r>
-            <a:r>
-              <a:rPr lang="tr-TR" dirty="0" err="1"/>
-              <a:t>to</a:t>
-            </a:r>
-            <a:r>
-              <a:rPr lang="tr-TR" dirty="0"/>
-              <a:t> </a:t>
-            </a:r>
-            <a:r>
-              <a:rPr lang="tr-TR" dirty="0" err="1"/>
-              <a:t>those</a:t>
-            </a:r>
-            <a:r>
-              <a:rPr lang="tr-TR" dirty="0"/>
-              <a:t> in </a:t>
-            </a:r>
-            <a:r>
-              <a:rPr lang="tr-TR" dirty="0" err="1"/>
-              <a:t>other</a:t>
-            </a:r>
-            <a:r>
-              <a:rPr lang="tr-TR" dirty="0"/>
-              <a:t> </a:t>
-            </a:r>
-            <a:r>
-              <a:rPr lang="tr-TR" dirty="0" err="1"/>
-              <a:t>groups</a:t>
-            </a:r>
-            <a:r>
-              <a:rPr lang="tr-TR" dirty="0"/>
-              <a:t>.</a:t>
-            </a:r>
-          </a:p>
-          <a:p>
-            <a:endParaRPr lang="tr-TR" dirty="0"/>
-          </a:p>
-          <a:p>
-            <a:r>
-              <a:rPr lang="tr-TR" dirty="0"/>
-              <a:t>XG </a:t>
-            </a:r>
-            <a:r>
-              <a:rPr lang="tr-TR" dirty="0" err="1"/>
-              <a:t>Boost</a:t>
-            </a:r>
-            <a:r>
-              <a:rPr lang="tr-TR" b="1" dirty="0"/>
-              <a:t> </a:t>
-            </a:r>
-            <a:r>
-              <a:rPr lang="tr-TR" dirty="0"/>
-              <a:t>is a </a:t>
-            </a:r>
-            <a:r>
-              <a:rPr lang="tr-TR" dirty="0" err="1"/>
-              <a:t>decision-tree-based</a:t>
-            </a:r>
-            <a:r>
-              <a:rPr lang="tr-TR" dirty="0"/>
-              <a:t> </a:t>
-            </a:r>
-            <a:r>
-              <a:rPr lang="tr-TR" dirty="0" err="1"/>
-              <a:t>ensemble</a:t>
-            </a:r>
-            <a:r>
-              <a:rPr lang="tr-TR" dirty="0"/>
-              <a:t> Machine Learning </a:t>
-            </a:r>
-            <a:r>
-              <a:rPr lang="tr-TR" dirty="0" err="1"/>
-              <a:t>algorithm</a:t>
-            </a:r>
-            <a:r>
-              <a:rPr lang="tr-TR" dirty="0"/>
-              <a:t> </a:t>
-            </a:r>
-            <a:r>
-              <a:rPr lang="tr-TR" dirty="0" err="1"/>
-              <a:t>that</a:t>
-            </a:r>
-            <a:r>
-              <a:rPr lang="tr-TR" dirty="0"/>
-              <a:t> </a:t>
-            </a:r>
-            <a:r>
-              <a:rPr lang="tr-TR" dirty="0" err="1"/>
-              <a:t>uses</a:t>
-            </a:r>
-            <a:r>
-              <a:rPr lang="tr-TR" dirty="0"/>
-              <a:t> a </a:t>
-            </a:r>
-            <a:r>
-              <a:rPr lang="tr-TR" dirty="0" err="1"/>
-              <a:t>gradient</a:t>
-            </a:r>
-            <a:r>
-              <a:rPr lang="tr-TR" dirty="0"/>
-              <a:t> </a:t>
-            </a:r>
-            <a:r>
-              <a:rPr lang="tr-TR" dirty="0" err="1"/>
-              <a:t>boosting</a:t>
-            </a:r>
-            <a:r>
-              <a:rPr lang="tr-TR" dirty="0"/>
-              <a:t> </a:t>
-            </a:r>
-            <a:r>
-              <a:rPr lang="tr-TR" dirty="0" err="1"/>
-              <a:t>framework</a:t>
-            </a:r>
-            <a:endParaRPr lang="tr-TR" dirty="0"/>
+              <a:t>important</a:t>
+            </a:r>
+            <a:r>
+              <a:rPr lang="tr-TR" dirty="0"/>
+              <a:t> </a:t>
+            </a:r>
+            <a:r>
+              <a:rPr lang="tr-TR" dirty="0" err="1"/>
+              <a:t>for</a:t>
+            </a:r>
+            <a:r>
+              <a:rPr lang="tr-TR" dirty="0"/>
+              <a:t> us.</a:t>
+            </a:r>
           </a:p>
         </p:txBody>
       </p:sp>
     </p:spTree>
     <p:extLst>
       <p:ext uri="{BB962C8B-B14F-4D97-AF65-F5344CB8AC3E}">
-        <p14:creationId xmlns:p14="http://schemas.microsoft.com/office/powerpoint/2010/main" val="3901891811"/>
+        <p14:creationId xmlns:p14="http://schemas.microsoft.com/office/powerpoint/2010/main" val="633178250"/>
       </p:ext>
     </p:extLst>
   </p:cSld>
@@ -6825,10 +6483,10 @@
       </p:grpSpPr>
       <p:sp>
         <p:nvSpPr>
-          <p:cNvPr id="2" name="Title 1">
-            <a:extLst>
-              <a:ext uri="{FF2B5EF4-FFF2-40B4-BE49-F238E27FC236}">
-                <a16:creationId xmlns:a16="http://schemas.microsoft.com/office/drawing/2014/main" id="{FDA436AD-C541-C44E-BAEB-45571A841F0F}"/>
+          <p:cNvPr id="3" name="Content Placeholder 2">
+            <a:extLst>
+              <a:ext uri="{FF2B5EF4-FFF2-40B4-BE49-F238E27FC236}">
+                <a16:creationId xmlns:a16="http://schemas.microsoft.com/office/drawing/2014/main" id="{DF9E539B-80C4-E042-9229-B795EEED8BF3}"/>
               </a:ext>
             </a:extLst>
           </p:cNvPr>
@@ -6836,175 +6494,61 @@
             <a:spLocks noGrp="1"/>
           </p:cNvSpPr>
           <p:nvPr>
-            <p:ph type="title"/>
+            <p:ph idx="1"/>
           </p:nvPr>
         </p:nvSpPr>
-        <p:spPr>
-          <a:xfrm>
-            <a:off x="838200" y="365125"/>
-            <a:ext cx="10515600" cy="6096635"/>
-          </a:xfrm>
-        </p:spPr>
-        <p:txBody>
-          <a:bodyPr>
-            <a:normAutofit/>
-          </a:bodyPr>
+        <p:spPr/>
+        <p:txBody>
+          <a:bodyPr/>
           <a:lstStyle/>
           <a:p>
             <a:r>
-              <a:rPr lang="tr-TR" dirty="0" err="1"/>
-              <a:t>We</a:t>
-            </a:r>
-            <a:r>
-              <a:rPr lang="tr-TR" dirty="0"/>
-              <a:t> </a:t>
-            </a:r>
-            <a:r>
-              <a:rPr lang="tr-TR" dirty="0" err="1"/>
-              <a:t>will</a:t>
-            </a:r>
-            <a:r>
-              <a:rPr lang="tr-TR" dirty="0"/>
-              <a:t> </a:t>
-            </a:r>
-            <a:r>
-              <a:rPr lang="tr-TR" dirty="0" err="1"/>
-              <a:t>use</a:t>
-            </a:r>
-            <a:r>
-              <a:rPr lang="tr-TR" dirty="0"/>
-              <a:t> </a:t>
-            </a:r>
-            <a:r>
-              <a:rPr lang="tr-TR" dirty="0" err="1"/>
-              <a:t>random</a:t>
-            </a:r>
-            <a:r>
-              <a:rPr lang="tr-TR" dirty="0"/>
-              <a:t> </a:t>
-            </a:r>
-            <a:r>
-              <a:rPr lang="tr-TR" dirty="0" err="1"/>
-              <a:t>forest</a:t>
-            </a:r>
-            <a:r>
-              <a:rPr lang="tr-TR" dirty="0"/>
-              <a:t> </a:t>
-            </a:r>
-            <a:r>
-              <a:rPr lang="tr-TR" dirty="0" err="1"/>
-              <a:t>and</a:t>
-            </a:r>
-            <a:r>
-              <a:rPr lang="tr-TR" dirty="0"/>
-              <a:t> </a:t>
-            </a:r>
-            <a:r>
-              <a:rPr lang="tr-TR" dirty="0" err="1"/>
-              <a:t>xg</a:t>
-            </a:r>
-            <a:r>
-              <a:rPr lang="tr-TR" dirty="0"/>
-              <a:t> </a:t>
-            </a:r>
-            <a:r>
-              <a:rPr lang="tr-TR" dirty="0" err="1"/>
-              <a:t>boost</a:t>
-            </a:r>
-            <a:r>
-              <a:rPr lang="tr-TR" dirty="0"/>
-              <a:t> </a:t>
-            </a:r>
-            <a:r>
-              <a:rPr lang="tr-TR" dirty="0" err="1"/>
-              <a:t>to</a:t>
-            </a:r>
-            <a:br>
-              <a:rPr lang="tr-TR" dirty="0"/>
-            </a:br>
-            <a:r>
-              <a:rPr lang="tr-TR" dirty="0" err="1"/>
-              <a:t>determine</a:t>
-            </a:r>
-            <a:r>
-              <a:rPr lang="tr-TR" dirty="0"/>
-              <a:t> </a:t>
-            </a:r>
-            <a:r>
-              <a:rPr lang="tr-TR" dirty="0" err="1"/>
-              <a:t>to</a:t>
-            </a:r>
-            <a:r>
-              <a:rPr lang="tr-TR" dirty="0"/>
-              <a:t> </a:t>
-            </a:r>
-            <a:r>
-              <a:rPr lang="tr-TR" dirty="0" err="1"/>
-              <a:t>which</a:t>
-            </a:r>
-            <a:r>
-              <a:rPr lang="tr-TR" dirty="0"/>
-              <a:t> </a:t>
-            </a:r>
-            <a:r>
-              <a:rPr lang="tr-TR" dirty="0" err="1"/>
-              <a:t>features</a:t>
-            </a:r>
-            <a:r>
-              <a:rPr lang="tr-TR" dirty="0"/>
-              <a:t> </a:t>
-            </a:r>
-            <a:r>
-              <a:rPr lang="tr-TR" dirty="0" err="1"/>
-              <a:t>are</a:t>
-            </a:r>
-            <a:r>
-              <a:rPr lang="tr-TR" dirty="0"/>
-              <a:t> </a:t>
-            </a:r>
-            <a:r>
-              <a:rPr lang="tr-TR" dirty="0" err="1"/>
-              <a:t>important</a:t>
-            </a:r>
-            <a:r>
-              <a:rPr lang="tr-TR" dirty="0"/>
-              <a:t> </a:t>
-            </a:r>
-            <a:r>
-              <a:rPr lang="tr-TR" dirty="0" err="1"/>
-              <a:t>which</a:t>
-            </a:r>
-            <a:r>
-              <a:rPr lang="tr-TR" dirty="0"/>
-              <a:t> </a:t>
-            </a:r>
-            <a:r>
-              <a:rPr lang="tr-TR" dirty="0" err="1"/>
-              <a:t>are</a:t>
-            </a:r>
-            <a:r>
-              <a:rPr lang="tr-TR" dirty="0"/>
-              <a:t> not </a:t>
-            </a:r>
-            <a:r>
-              <a:rPr lang="tr-TR" dirty="0" err="1"/>
-              <a:t>for</a:t>
-            </a:r>
-            <a:r>
-              <a:rPr lang="tr-TR" dirty="0"/>
-              <a:t> </a:t>
-            </a:r>
-            <a:r>
-              <a:rPr lang="tr-TR" dirty="0" err="1"/>
-              <a:t>our</a:t>
-            </a:r>
-            <a:r>
-              <a:rPr lang="tr-TR" dirty="0"/>
-              <a:t> </a:t>
-            </a:r>
-            <a:r>
-              <a:rPr lang="tr-TR" dirty="0" err="1"/>
-              <a:t>forecast</a:t>
+              <a:rPr lang="tr-TR" dirty="0"/>
+              <a:t>Time </a:t>
+            </a:r>
+            <a:r>
+              <a:rPr lang="tr-TR" dirty="0" err="1"/>
+              <a:t>series</a:t>
+            </a:r>
+            <a:r>
+              <a:rPr lang="tr-TR" dirty="0"/>
+              <a:t>: A time </a:t>
+            </a:r>
+            <a:r>
+              <a:rPr lang="tr-TR" dirty="0" err="1"/>
+              <a:t>series</a:t>
+            </a:r>
+            <a:r>
+              <a:rPr lang="tr-TR" dirty="0"/>
+              <a:t> is a </a:t>
+            </a:r>
+            <a:r>
+              <a:rPr lang="tr-TR" dirty="0" err="1"/>
+              <a:t>series</a:t>
+            </a:r>
+            <a:r>
+              <a:rPr lang="tr-TR" dirty="0"/>
+              <a:t> of data </a:t>
+            </a:r>
+            <a:r>
+              <a:rPr lang="tr-TR" dirty="0" err="1"/>
+              <a:t>points</a:t>
+            </a:r>
+            <a:r>
+              <a:rPr lang="tr-TR" dirty="0"/>
+              <a:t> </a:t>
+            </a:r>
+            <a:r>
+              <a:rPr lang="tr-TR" dirty="0" err="1"/>
+              <a:t>indexed</a:t>
+            </a:r>
+            <a:r>
+              <a:rPr lang="tr-TR" dirty="0"/>
+              <a:t> in time </a:t>
+            </a:r>
+            <a:r>
+              <a:rPr lang="tr-TR" dirty="0" err="1"/>
+              <a:t>order</a:t>
             </a:r>
             <a:r>
               <a:rPr lang="tr-TR" dirty="0"/>
@@ -7012,35 +6556,19 @@
             </a:r>
             <a:r>
               <a:rPr lang="tr-TR" dirty="0" err="1"/>
-              <a:t>Also</a:t>
-            </a:r>
-            <a:r>
-              <a:rPr lang="tr-TR" dirty="0"/>
-              <a:t> </a:t>
-            </a:r>
-            <a:r>
-              <a:rPr lang="tr-TR" dirty="0" err="1"/>
-              <a:t>we</a:t>
-            </a:r>
-            <a:r>
-              <a:rPr lang="tr-TR" dirty="0"/>
-              <a:t> </a:t>
-            </a:r>
-            <a:r>
-              <a:rPr lang="tr-TR" dirty="0" err="1"/>
-              <a:t>need</a:t>
-            </a:r>
-            <a:r>
-              <a:rPr lang="tr-TR" dirty="0"/>
-              <a:t> </a:t>
-            </a:r>
-            <a:r>
-              <a:rPr lang="tr-TR" dirty="0" err="1"/>
-              <a:t>to</a:t>
-            </a:r>
-            <a:r>
-              <a:rPr lang="tr-TR" dirty="0"/>
-              <a:t> do time </a:t>
+              <a:t>Most</a:t>
+            </a:r>
+            <a:r>
+              <a:rPr lang="tr-TR" dirty="0"/>
+              <a:t> </a:t>
+            </a:r>
+            <a:r>
+              <a:rPr lang="tr-TR" dirty="0" err="1"/>
+              <a:t>commonly</a:t>
+            </a:r>
+            <a:r>
+              <a:rPr lang="tr-TR" dirty="0"/>
+              <a:t>, a time </a:t>
             </a:r>
             <a:r>
               <a:rPr lang="tr-TR" dirty="0" err="1"/>
@@ -7048,83 +6576,67 @@
             </a:r>
             <a:r>
               <a:rPr lang="tr-TR" dirty="0"/>
-              <a:t> </a:t>
-            </a:r>
-            <a:r>
-              <a:rPr lang="tr-TR" dirty="0" err="1"/>
-              <a:t>analysis</a:t>
-            </a:r>
-            <a:r>
-              <a:rPr lang="tr-TR" dirty="0"/>
-              <a:t> </a:t>
-            </a:r>
-            <a:r>
-              <a:rPr lang="tr-TR" dirty="0" err="1"/>
-              <a:t>to</a:t>
-            </a:r>
-            <a:r>
-              <a:rPr lang="tr-TR" dirty="0"/>
-              <a:t> </a:t>
-            </a:r>
-            <a:r>
-              <a:rPr lang="tr-TR" dirty="0" err="1"/>
-              <a:t>understand</a:t>
-            </a:r>
-            <a:r>
-              <a:rPr lang="tr-TR" dirty="0"/>
-              <a:t> </a:t>
-            </a:r>
-            <a:r>
-              <a:rPr lang="tr-TR" dirty="0" err="1"/>
-              <a:t>the</a:t>
-            </a:r>
-            <a:r>
-              <a:rPr lang="tr-TR" dirty="0"/>
-              <a:t> </a:t>
-            </a:r>
-            <a:r>
-              <a:rPr lang="tr-TR" dirty="0" err="1"/>
-              <a:t>sales</a:t>
-            </a:r>
-            <a:r>
-              <a:rPr lang="tr-TR" dirty="0"/>
-              <a:t> </a:t>
-            </a:r>
-            <a:r>
-              <a:rPr lang="tr-TR" dirty="0" err="1"/>
-              <a:t>within</a:t>
-            </a:r>
-            <a:r>
-              <a:rPr lang="tr-TR" dirty="0"/>
-              <a:t> </a:t>
-            </a:r>
-            <a:r>
-              <a:rPr lang="tr-TR" dirty="0" err="1"/>
-              <a:t>different</a:t>
-            </a:r>
-            <a:r>
-              <a:rPr lang="tr-TR" dirty="0"/>
-              <a:t> </a:t>
-            </a:r>
-            <a:r>
-              <a:rPr lang="tr-TR" dirty="0" err="1"/>
-              <a:t>days</a:t>
-            </a:r>
-            <a:r>
-              <a:rPr lang="tr-TR" dirty="0"/>
-              <a:t> </a:t>
-            </a:r>
-            <a:r>
-              <a:rPr lang="tr-TR" dirty="0" err="1"/>
-              <a:t>and</a:t>
-            </a:r>
-            <a:r>
-              <a:rPr lang="tr-TR" dirty="0"/>
-              <a:t> </a:t>
-            </a:r>
-            <a:r>
-              <a:rPr lang="tr-TR" dirty="0" err="1"/>
-              <a:t>months</a:t>
+              <a:t> is a </a:t>
+            </a:r>
+            <a:r>
+              <a:rPr lang="tr-TR" dirty="0" err="1"/>
+              <a:t>sequence</a:t>
+            </a:r>
+            <a:r>
+              <a:rPr lang="tr-TR" dirty="0"/>
+              <a:t> </a:t>
+            </a:r>
+            <a:r>
+              <a:rPr lang="tr-TR" dirty="0" err="1"/>
+              <a:t>taken</a:t>
+            </a:r>
+            <a:r>
+              <a:rPr lang="tr-TR" dirty="0"/>
+              <a:t> at </a:t>
+            </a:r>
+            <a:r>
+              <a:rPr lang="tr-TR" dirty="0" err="1"/>
+              <a:t>successive</a:t>
+            </a:r>
+            <a:r>
+              <a:rPr lang="tr-TR" dirty="0"/>
+              <a:t> </a:t>
+            </a:r>
+            <a:r>
+              <a:rPr lang="tr-TR" dirty="0" err="1"/>
+              <a:t>equally</a:t>
+            </a:r>
+            <a:r>
+              <a:rPr lang="tr-TR" dirty="0"/>
+              <a:t> </a:t>
+            </a:r>
+            <a:r>
+              <a:rPr lang="tr-TR" dirty="0" err="1"/>
+              <a:t>spaced</a:t>
+            </a:r>
+            <a:r>
+              <a:rPr lang="tr-TR" dirty="0"/>
+              <a:t> </a:t>
+            </a:r>
+            <a:r>
+              <a:rPr lang="tr-TR" dirty="0" err="1"/>
+              <a:t>points</a:t>
+            </a:r>
+            <a:r>
+              <a:rPr lang="tr-TR" dirty="0"/>
+              <a:t> in time. </a:t>
+            </a:r>
+            <a:r>
+              <a:rPr lang="tr-TR" dirty="0" err="1"/>
+              <a:t>Thus</a:t>
+            </a:r>
+            <a:r>
+              <a:rPr lang="tr-TR" dirty="0"/>
+              <a:t> it is a </a:t>
+            </a:r>
+            <a:r>
+              <a:rPr lang="tr-TR" dirty="0" err="1"/>
+              <a:t>sequence</a:t>
             </a:r>
             <a:r>
               <a:rPr lang="tr-TR" dirty="0"/>
@@ -7132,211 +6644,98 @@
             </a:r>
             <a:r>
               <a:rPr lang="tr-TR" dirty="0" err="1"/>
-              <a:t>the</a:t>
-            </a:r>
-            <a:r>
-              <a:rPr lang="tr-TR" dirty="0"/>
-              <a:t> </a:t>
-            </a:r>
-            <a:r>
-              <a:rPr lang="tr-TR" dirty="0" err="1"/>
-              <a:t>year</a:t>
-            </a:r>
-            <a:r>
-              <a:rPr lang="tr-TR" dirty="0"/>
-              <a:t>. </a:t>
-            </a:r>
-            <a:r>
-              <a:rPr lang="tr-TR" dirty="0" err="1"/>
-              <a:t>In</a:t>
-            </a:r>
-            <a:r>
-              <a:rPr lang="tr-TR" dirty="0"/>
-              <a:t> </a:t>
-            </a:r>
-            <a:r>
-              <a:rPr lang="tr-TR" dirty="0" err="1"/>
-              <a:t>the</a:t>
-            </a:r>
-            <a:r>
-              <a:rPr lang="tr-TR" dirty="0"/>
-              <a:t> </a:t>
-            </a:r>
-            <a:r>
-              <a:rPr lang="tr-TR" dirty="0" err="1"/>
-              <a:t>end</a:t>
-            </a:r>
-            <a:r>
-              <a:rPr lang="tr-TR" dirty="0"/>
-              <a:t> </a:t>
-            </a:r>
-            <a:r>
-              <a:rPr lang="tr-TR" dirty="0" err="1"/>
-              <a:t>we</a:t>
-            </a:r>
-            <a:r>
-              <a:rPr lang="tr-TR" dirty="0"/>
-              <a:t> </a:t>
-            </a:r>
-            <a:r>
-              <a:rPr lang="tr-TR" dirty="0" err="1"/>
-              <a:t>will</a:t>
-            </a:r>
-            <a:r>
-              <a:rPr lang="tr-TR" dirty="0"/>
-              <a:t> </a:t>
-            </a:r>
-            <a:r>
-              <a:rPr lang="tr-TR" dirty="0" err="1"/>
-              <a:t>use</a:t>
-            </a:r>
-            <a:r>
-              <a:rPr lang="tr-TR" dirty="0"/>
-              <a:t> </a:t>
-            </a:r>
-            <a:r>
-              <a:rPr lang="tr-TR" dirty="0" err="1"/>
-              <a:t>clustering</a:t>
-            </a:r>
-            <a:r>
-              <a:rPr lang="tr-TR" dirty="0"/>
-              <a:t> </a:t>
-            </a:r>
-            <a:r>
-              <a:rPr lang="tr-TR" dirty="0" err="1"/>
-              <a:t>to</a:t>
-            </a:r>
-            <a:r>
-              <a:rPr lang="tr-TR" dirty="0"/>
-              <a:t> </a:t>
-            </a:r>
-            <a:r>
-              <a:rPr lang="tr-TR" dirty="0" err="1"/>
-              <a:t>determine</a:t>
-            </a:r>
-            <a:r>
-              <a:rPr lang="tr-TR" dirty="0"/>
-              <a:t> </a:t>
-            </a:r>
-            <a:r>
-              <a:rPr lang="tr-TR" dirty="0" err="1"/>
-              <a:t>which</a:t>
-            </a:r>
-            <a:r>
-              <a:rPr lang="tr-TR" dirty="0"/>
-              <a:t> </a:t>
-            </a:r>
-            <a:r>
-              <a:rPr lang="tr-TR" dirty="0" err="1"/>
-              <a:t>shops</a:t>
-            </a:r>
-            <a:r>
-              <a:rPr lang="tr-TR" dirty="0"/>
-              <a:t> </a:t>
-            </a:r>
-            <a:r>
-              <a:rPr lang="tr-TR" dirty="0" err="1"/>
-              <a:t>are</a:t>
-            </a:r>
-            <a:r>
-              <a:rPr lang="tr-TR" dirty="0"/>
-              <a:t> </a:t>
-            </a:r>
-            <a:r>
-              <a:rPr lang="tr-TR" dirty="0" err="1"/>
-              <a:t>similar</a:t>
-            </a:r>
-            <a:r>
-              <a:rPr lang="tr-TR" dirty="0"/>
-              <a:t> in </a:t>
-            </a:r>
-            <a:r>
-              <a:rPr lang="tr-TR" dirty="0" err="1"/>
-              <a:t>terms</a:t>
-            </a:r>
-            <a:r>
-              <a:rPr lang="tr-TR" dirty="0"/>
-              <a:t> of </a:t>
-            </a:r>
-            <a:r>
-              <a:rPr lang="tr-TR" dirty="0" err="1"/>
-              <a:t>sales</a:t>
-            </a:r>
-            <a:r>
-              <a:rPr lang="tr-TR" dirty="0"/>
-              <a:t> </a:t>
-            </a:r>
-            <a:r>
-              <a:rPr lang="tr-TR" dirty="0" err="1"/>
-              <a:t>and</a:t>
-            </a:r>
-            <a:r>
-              <a:rPr lang="tr-TR" dirty="0"/>
-              <a:t> </a:t>
-            </a:r>
-            <a:r>
-              <a:rPr lang="tr-TR" dirty="0" err="1"/>
-              <a:t>try</a:t>
-            </a:r>
-            <a:r>
-              <a:rPr lang="tr-TR" dirty="0"/>
-              <a:t> </a:t>
-            </a:r>
-            <a:r>
-              <a:rPr lang="tr-TR" dirty="0" err="1"/>
-              <a:t>to</a:t>
-            </a:r>
-            <a:r>
-              <a:rPr lang="tr-TR" dirty="0"/>
-              <a:t> </a:t>
-            </a:r>
-            <a:r>
-              <a:rPr lang="tr-TR" dirty="0" err="1"/>
-              <a:t>predict</a:t>
-            </a:r>
-            <a:r>
-              <a:rPr lang="tr-TR" dirty="0"/>
-              <a:t> </a:t>
-            </a:r>
-            <a:r>
-              <a:rPr lang="tr-TR" dirty="0" err="1"/>
-              <a:t>future</a:t>
-            </a:r>
-            <a:r>
-              <a:rPr lang="tr-TR" dirty="0"/>
-              <a:t> </a:t>
-            </a:r>
-            <a:r>
-              <a:rPr lang="tr-TR" dirty="0" err="1"/>
-              <a:t>sales</a:t>
-            </a:r>
-            <a:r>
-              <a:rPr lang="tr-TR" dirty="0"/>
-              <a:t> of </a:t>
-            </a:r>
-            <a:r>
-              <a:rPr lang="tr-TR" dirty="0" err="1"/>
-              <a:t>these</a:t>
-            </a:r>
-            <a:r>
-              <a:rPr lang="tr-TR" dirty="0"/>
-              <a:t> </a:t>
-            </a:r>
-            <a:r>
-              <a:rPr lang="tr-TR" dirty="0" err="1"/>
-              <a:t>shops</a:t>
-            </a:r>
-            <a:r>
-              <a:rPr lang="tr-TR" dirty="0"/>
-              <a:t>.</a:t>
-            </a:r>
+              <a:t>discrete</a:t>
+            </a:r>
+            <a:r>
+              <a:rPr lang="tr-TR" dirty="0"/>
+              <a:t>-time data.</a:t>
+            </a:r>
+          </a:p>
+          <a:p>
+            <a:r>
+              <a:rPr lang="tr-TR" dirty="0"/>
+              <a:t>XG </a:t>
+            </a:r>
+            <a:r>
+              <a:rPr lang="tr-TR" dirty="0" err="1"/>
+              <a:t>Boost</a:t>
+            </a:r>
+            <a:r>
+              <a:rPr lang="tr-TR" b="1" dirty="0"/>
+              <a:t> </a:t>
+            </a:r>
+            <a:r>
+              <a:rPr lang="tr-TR" dirty="0"/>
+              <a:t>is a </a:t>
+            </a:r>
+            <a:r>
+              <a:rPr lang="tr-TR" dirty="0" err="1"/>
+              <a:t>decision-tree-based</a:t>
+            </a:r>
+            <a:r>
+              <a:rPr lang="tr-TR" dirty="0"/>
+              <a:t> </a:t>
+            </a:r>
+            <a:r>
+              <a:rPr lang="tr-TR" dirty="0" err="1"/>
+              <a:t>ensemble</a:t>
+            </a:r>
+            <a:r>
+              <a:rPr lang="tr-TR" dirty="0"/>
+              <a:t> Machine Learning </a:t>
+            </a:r>
+            <a:r>
+              <a:rPr lang="tr-TR" dirty="0" err="1"/>
+              <a:t>algorithm</a:t>
+            </a:r>
+            <a:r>
+              <a:rPr lang="tr-TR" dirty="0"/>
+              <a:t> </a:t>
+            </a:r>
+            <a:r>
+              <a:rPr lang="tr-TR" dirty="0" err="1"/>
+              <a:t>that</a:t>
+            </a:r>
+            <a:r>
+              <a:rPr lang="tr-TR" dirty="0"/>
+              <a:t> </a:t>
+            </a:r>
+            <a:r>
+              <a:rPr lang="tr-TR" dirty="0" err="1"/>
+              <a:t>uses</a:t>
+            </a:r>
+            <a:r>
+              <a:rPr lang="tr-TR" dirty="0"/>
+              <a:t> a </a:t>
+            </a:r>
+            <a:r>
+              <a:rPr lang="tr-TR" dirty="0" err="1"/>
+              <a:t>gradient</a:t>
+            </a:r>
+            <a:r>
+              <a:rPr lang="tr-TR" dirty="0"/>
+              <a:t> </a:t>
+            </a:r>
+            <a:r>
+              <a:rPr lang="tr-TR" dirty="0" err="1"/>
+              <a:t>boosting</a:t>
+            </a:r>
+            <a:r>
+              <a:rPr lang="tr-TR" dirty="0"/>
+              <a:t> </a:t>
+            </a:r>
+            <a:r>
+              <a:rPr lang="tr-TR" dirty="0" err="1"/>
+              <a:t>framework</a:t>
+            </a:r>
+            <a:endParaRPr lang="tr-TR" dirty="0"/>
           </a:p>
         </p:txBody>
       </p:sp>
     </p:spTree>
     <p:extLst>
       <p:ext uri="{BB962C8B-B14F-4D97-AF65-F5344CB8AC3E}">
-        <p14:creationId xmlns:p14="http://schemas.microsoft.com/office/powerpoint/2010/main" val="1109575570"/>
+        <p14:creationId xmlns:p14="http://schemas.microsoft.com/office/powerpoint/2010/main" val="3901891811"/>
       </p:ext>
     </p:extLst>
   </p:cSld>

--- a/FinalProjects/Group The Five Horsemen/dataexpreport.pptx
+++ b/FinalProjects/Group The Five Horsemen/dataexpreport.pptx
@@ -3734,24 +3734,57 @@
             </a:r>
             <a:r>
               <a:rPr lang="tr-TR" dirty="0"/>
-              <a:t> of a </a:t>
-            </a:r>
-            <a:r>
-              <a:rPr lang="tr-TR" dirty="0" err="1"/>
-              <a:t>new</a:t>
-            </a:r>
-            <a:r>
-              <a:rPr lang="tr-TR" dirty="0"/>
-              <a:t> </a:t>
-            </a:r>
-            <a:r>
-              <a:rPr lang="tr-TR" dirty="0" err="1"/>
-              <a:t>store</a:t>
-            </a:r>
-            <a:r>
-              <a:rPr lang="tr-TR" dirty="0"/>
+              <a:t> of </a:t>
+            </a:r>
+            <a:r>
+              <a:rPr lang="tr-TR" dirty="0" err="1"/>
+              <a:t>the</a:t>
+            </a:r>
+            <a:r>
+              <a:rPr lang="tr-TR" dirty="0"/>
+              <a:t> </a:t>
+            </a:r>
+            <a:r>
+              <a:rPr lang="tr-TR" dirty="0" err="1"/>
+              <a:t>given</a:t>
+            </a:r>
+            <a:r>
+              <a:rPr lang="tr-TR" dirty="0"/>
+              <a:t> </a:t>
+            </a:r>
+            <a:r>
+              <a:rPr lang="tr-TR" dirty="0" err="1"/>
+              <a:t>stores</a:t>
+            </a:r>
+            <a:r>
+              <a:rPr lang="tr-TR" dirty="0"/>
+              <a:t> </a:t>
+            </a:r>
+            <a:r>
+              <a:rPr lang="tr-TR" dirty="0" err="1"/>
+              <a:t>for</a:t>
+            </a:r>
+            <a:r>
+              <a:rPr lang="tr-TR" dirty="0"/>
+              <a:t> 6 </a:t>
+            </a:r>
+            <a:r>
+              <a:rPr lang="tr-TR" dirty="0" err="1"/>
+              <a:t>weeks</a:t>
+            </a:r>
+            <a:r>
+              <a:rPr lang="tr-TR" dirty="0"/>
+              <a:t> of </a:t>
+            </a:r>
+            <a:r>
+              <a:rPr lang="tr-TR" dirty="0" err="1"/>
+              <a:t>period</a:t>
+            </a:r>
+            <a:r>
+              <a:rPr lang="tr-TR"/>
               <a:t>.</a:t>
             </a:r>
+            <a:endParaRPr lang="tr-TR" dirty="0"/>
           </a:p>
         </p:txBody>
       </p:sp>
